--- a/Poster/poster_aycan.pptx
+++ b/Poster/poster_aycan.pptx
@@ -7,6 +7,7 @@
   <p:sldIdLst>
     <p:sldId id="256" r:id="rId2"/>
     <p:sldId id="257" r:id="rId3"/>
+    <p:sldId id="258" r:id="rId4"/>
   </p:sldIdLst>
   <p:sldSz cx="21383625" cy="30275213"/>
   <p:notesSz cx="6858000" cy="9144000"/>
@@ -105,7 +106,2188 @@
       </a:defRPr>
     </a:lvl9pPr>
   </p:defaultTextStyle>
+  <p:extLst>
+    <p:ext uri="{EFAFB233-063F-42B5-8137-9DF3F51BA10A}">
+      <p15:sldGuideLst xmlns:p15="http://schemas.microsoft.com/office/powerpoint/2012/main"/>
+    </p:ext>
+  </p:extLst>
 </p:presentation>
+</file>
+
+<file path=ppt/charts/chart1.xml><?xml version="1.0" encoding="utf-8"?>
+<c:chartSpace xmlns:c="http://schemas.openxmlformats.org/drawingml/2006/chart" xmlns:a="http://schemas.openxmlformats.org/drawingml/2006/main" xmlns:r="http://schemas.openxmlformats.org/officeDocument/2006/relationships" xmlns:c16r2="http://schemas.microsoft.com/office/drawing/2015/06/chart">
+  <c:date1904 val="0"/>
+  <c:lang val="tr-TR"/>
+  <c:roundedCorners val="0"/>
+  <mc:AlternateContent xmlns:mc="http://schemas.openxmlformats.org/markup-compatibility/2006">
+    <mc:Choice xmlns:c14="http://schemas.microsoft.com/office/drawing/2007/8/2/chart" Requires="c14">
+      <c14:style val="102"/>
+    </mc:Choice>
+    <mc:Fallback>
+      <c:style val="2"/>
+    </mc:Fallback>
+  </mc:AlternateContent>
+  <c:chart>
+    <c:autoTitleDeleted val="1"/>
+    <c:plotArea>
+      <c:layout>
+        <c:manualLayout>
+          <c:layoutTarget val="inner"/>
+          <c:xMode val="edge"/>
+          <c:yMode val="edge"/>
+          <c:x val="0.12692970710934726"/>
+          <c:y val="4.1952356264108967E-2"/>
+          <c:w val="0.87307029289065274"/>
+          <c:h val="0.82518280893900608"/>
+        </c:manualLayout>
+      </c:layout>
+      <c:lineChart>
+        <c:grouping val="standard"/>
+        <c:varyColors val="0"/>
+        <c:ser>
+          <c:idx val="0"/>
+          <c:order val="0"/>
+          <c:tx>
+            <c:strRef>
+              <c:f>Sayfa1!$B$1</c:f>
+              <c:strCache>
+                <c:ptCount val="1"/>
+                <c:pt idx="0">
+                  <c:v>Seri 1</c:v>
+                </c:pt>
+              </c:strCache>
+            </c:strRef>
+          </c:tx>
+          <c:spPr>
+            <a:ln w="101600" cap="rnd">
+              <a:solidFill>
+                <a:srgbClr val="FF0000"/>
+              </a:solidFill>
+              <a:round/>
+            </a:ln>
+            <a:effectLst/>
+          </c:spPr>
+          <c:marker>
+            <c:symbol val="none"/>
+          </c:marker>
+          <c:cat>
+            <c:numRef>
+              <c:f>Sayfa1!$A$2:$A$11</c:f>
+              <c:numCache>
+                <c:formatCode>General</c:formatCode>
+                <c:ptCount val="10"/>
+                <c:pt idx="0">
+                  <c:v>5</c:v>
+                </c:pt>
+                <c:pt idx="1">
+                  <c:v>10</c:v>
+                </c:pt>
+                <c:pt idx="2">
+                  <c:v>15</c:v>
+                </c:pt>
+                <c:pt idx="3">
+                  <c:v>20</c:v>
+                </c:pt>
+                <c:pt idx="4">
+                  <c:v>25</c:v>
+                </c:pt>
+                <c:pt idx="5">
+                  <c:v>30</c:v>
+                </c:pt>
+                <c:pt idx="6">
+                  <c:v>35</c:v>
+                </c:pt>
+                <c:pt idx="7">
+                  <c:v>40</c:v>
+                </c:pt>
+                <c:pt idx="8">
+                  <c:v>45</c:v>
+                </c:pt>
+                <c:pt idx="9">
+                  <c:v>50</c:v>
+                </c:pt>
+              </c:numCache>
+            </c:numRef>
+          </c:cat>
+          <c:val>
+            <c:numRef>
+              <c:f>Sayfa1!$B$2:$B$11</c:f>
+              <c:numCache>
+                <c:formatCode>General</c:formatCode>
+                <c:ptCount val="10"/>
+                <c:pt idx="0">
+                  <c:v>98</c:v>
+                </c:pt>
+                <c:pt idx="1">
+                  <c:v>99</c:v>
+                </c:pt>
+                <c:pt idx="2">
+                  <c:v>98</c:v>
+                </c:pt>
+                <c:pt idx="3">
+                  <c:v>99</c:v>
+                </c:pt>
+                <c:pt idx="4">
+                  <c:v>97</c:v>
+                </c:pt>
+                <c:pt idx="5">
+                  <c:v>95</c:v>
+                </c:pt>
+                <c:pt idx="6">
+                  <c:v>92</c:v>
+                </c:pt>
+                <c:pt idx="7">
+                  <c:v>86</c:v>
+                </c:pt>
+                <c:pt idx="8">
+                  <c:v>65</c:v>
+                </c:pt>
+                <c:pt idx="9">
+                  <c:v>42</c:v>
+                </c:pt>
+              </c:numCache>
+            </c:numRef>
+          </c:val>
+          <c:smooth val="0"/>
+          <c:extLst>
+            <c:ext xmlns:c16="http://schemas.microsoft.com/office/drawing/2014/chart" uri="{C3380CC4-5D6E-409C-BE32-E72D297353CC}">
+              <c16:uniqueId val="{00000000-E66C-412C-8DF4-A848530953A5}"/>
+            </c:ext>
+          </c:extLst>
+        </c:ser>
+        <c:dLbls>
+          <c:showLegendKey val="0"/>
+          <c:showVal val="0"/>
+          <c:showCatName val="0"/>
+          <c:showSerName val="0"/>
+          <c:showPercent val="0"/>
+          <c:showBubbleSize val="0"/>
+        </c:dLbls>
+        <c:smooth val="0"/>
+        <c:axId val="403920784"/>
+        <c:axId val="403919800"/>
+      </c:lineChart>
+      <c:catAx>
+        <c:axId val="403920784"/>
+        <c:scaling>
+          <c:orientation val="minMax"/>
+        </c:scaling>
+        <c:delete val="0"/>
+        <c:axPos val="b"/>
+        <c:title>
+          <c:tx>
+            <c:rich>
+              <a:bodyPr rot="0" spcFirstLastPara="1" vertOverflow="ellipsis" vert="horz" wrap="square" anchor="ctr" anchorCtr="1"/>
+              <a:lstStyle/>
+              <a:p>
+                <a:pPr>
+                  <a:defRPr sz="2400" b="0" i="0" u="none" strike="noStrike" kern="1200" baseline="0">
+                    <a:solidFill>
+                      <a:schemeClr val="tx1">
+                        <a:lumMod val="65000"/>
+                        <a:lumOff val="35000"/>
+                      </a:schemeClr>
+                    </a:solidFill>
+                    <a:latin typeface="+mn-lt"/>
+                    <a:ea typeface="+mn-ea"/>
+                    <a:cs typeface="+mn-cs"/>
+                  </a:defRPr>
+                </a:pPr>
+                <a:r>
+                  <a:rPr lang="tr-TR" sz="2400" dirty="0" err="1"/>
+                  <a:t>Distance</a:t>
+                </a:r>
+                <a:r>
+                  <a:rPr lang="tr-TR" sz="2400" dirty="0"/>
+                  <a:t> (m)</a:t>
+                </a:r>
+                <a:endParaRPr lang="en-US" sz="2400" dirty="0"/>
+              </a:p>
+            </c:rich>
+          </c:tx>
+          <c:layout>
+            <c:manualLayout>
+              <c:xMode val="edge"/>
+              <c:yMode val="edge"/>
+              <c:x val="0.41079745911573268"/>
+              <c:y val="0.94409300303511445"/>
+            </c:manualLayout>
+          </c:layout>
+          <c:overlay val="0"/>
+          <c:spPr>
+            <a:noFill/>
+            <a:ln>
+              <a:noFill/>
+            </a:ln>
+            <a:effectLst/>
+          </c:spPr>
+          <c:txPr>
+            <a:bodyPr rot="0" spcFirstLastPara="1" vertOverflow="ellipsis" vert="horz" wrap="square" anchor="ctr" anchorCtr="1"/>
+            <a:lstStyle/>
+            <a:p>
+              <a:pPr>
+                <a:defRPr sz="2400" b="0" i="0" u="none" strike="noStrike" kern="1200" baseline="0">
+                  <a:solidFill>
+                    <a:schemeClr val="tx1">
+                      <a:lumMod val="65000"/>
+                      <a:lumOff val="35000"/>
+                    </a:schemeClr>
+                  </a:solidFill>
+                  <a:latin typeface="+mn-lt"/>
+                  <a:ea typeface="+mn-ea"/>
+                  <a:cs typeface="+mn-cs"/>
+                </a:defRPr>
+              </a:pPr>
+              <a:endParaRPr lang="tr-TR"/>
+            </a:p>
+          </c:txPr>
+        </c:title>
+        <c:numFmt formatCode="General" sourceLinked="1"/>
+        <c:majorTickMark val="none"/>
+        <c:minorTickMark val="none"/>
+        <c:tickLblPos val="nextTo"/>
+        <c:spPr>
+          <a:noFill/>
+          <a:ln w="9525" cap="flat" cmpd="sng" algn="ctr">
+            <a:solidFill>
+              <a:schemeClr val="tx1">
+                <a:lumMod val="15000"/>
+                <a:lumOff val="85000"/>
+              </a:schemeClr>
+            </a:solidFill>
+            <a:round/>
+          </a:ln>
+          <a:effectLst/>
+        </c:spPr>
+        <c:txPr>
+          <a:bodyPr rot="-60000000" spcFirstLastPara="1" vertOverflow="ellipsis" vert="horz" wrap="square" anchor="ctr" anchorCtr="1"/>
+          <a:lstStyle/>
+          <a:p>
+            <a:pPr>
+              <a:defRPr sz="2400" b="0" i="0" u="none" strike="noStrike" kern="1200" baseline="0">
+                <a:solidFill>
+                  <a:schemeClr val="tx1">
+                    <a:lumMod val="65000"/>
+                    <a:lumOff val="35000"/>
+                  </a:schemeClr>
+                </a:solidFill>
+                <a:latin typeface="+mn-lt"/>
+                <a:ea typeface="+mn-ea"/>
+                <a:cs typeface="+mn-cs"/>
+              </a:defRPr>
+            </a:pPr>
+            <a:endParaRPr lang="tr-TR"/>
+          </a:p>
+        </c:txPr>
+        <c:crossAx val="403919800"/>
+        <c:crosses val="autoZero"/>
+        <c:auto val="1"/>
+        <c:lblAlgn val="ctr"/>
+        <c:lblOffset val="100"/>
+        <c:noMultiLvlLbl val="0"/>
+      </c:catAx>
+      <c:valAx>
+        <c:axId val="403919800"/>
+        <c:scaling>
+          <c:orientation val="minMax"/>
+          <c:max val="100"/>
+        </c:scaling>
+        <c:delete val="0"/>
+        <c:axPos val="l"/>
+        <c:title>
+          <c:tx>
+            <c:rich>
+              <a:bodyPr rot="-5400000" spcFirstLastPara="1" vertOverflow="ellipsis" vert="horz" wrap="square" anchor="ctr" anchorCtr="1"/>
+              <a:lstStyle/>
+              <a:p>
+                <a:pPr>
+                  <a:defRPr sz="2400" b="0" i="0" u="none" strike="noStrike" kern="1200" baseline="0">
+                    <a:solidFill>
+                      <a:schemeClr val="tx1">
+                        <a:lumMod val="65000"/>
+                        <a:lumOff val="35000"/>
+                      </a:schemeClr>
+                    </a:solidFill>
+                    <a:latin typeface="+mn-lt"/>
+                    <a:ea typeface="+mn-ea"/>
+                    <a:cs typeface="+mn-cs"/>
+                  </a:defRPr>
+                </a:pPr>
+                <a:r>
+                  <a:rPr lang="tr-TR" sz="2400" b="0" i="0" u="none" strike="noStrike" baseline="0" dirty="0">
+                    <a:effectLst/>
+                  </a:rPr>
+                  <a:t> </a:t>
+                </a:r>
+                <a:r>
+                  <a:rPr lang="tr-TR" sz="2400" b="0" i="0" u="none" strike="noStrike" baseline="0" dirty="0" err="1">
+                    <a:effectLst/>
+                  </a:rPr>
+                  <a:t>Received</a:t>
+                </a:r>
+                <a:r>
+                  <a:rPr lang="tr-TR" sz="2400" b="0" i="0" u="none" strike="noStrike" baseline="0" dirty="0">
+                    <a:effectLst/>
+                  </a:rPr>
+                  <a:t> </a:t>
+                </a:r>
+                <a:r>
+                  <a:rPr lang="tr-TR" sz="2400" b="0" i="0" u="none" strike="noStrike" baseline="0" dirty="0" err="1">
+                    <a:effectLst/>
+                  </a:rPr>
+                  <a:t>Command</a:t>
+                </a:r>
+                <a:r>
+                  <a:rPr lang="tr-TR" sz="2400" dirty="0"/>
+                  <a:t> </a:t>
+                </a:r>
+                <a:r>
+                  <a:rPr lang="tr-TR" sz="2400" dirty="0" err="1"/>
+                  <a:t>Percentage</a:t>
+                </a:r>
+                <a:r>
+                  <a:rPr lang="tr-TR" sz="2400" dirty="0"/>
+                  <a:t> (%)</a:t>
+                </a:r>
+                <a:endParaRPr lang="en-US" sz="2400" dirty="0"/>
+              </a:p>
+            </c:rich>
+          </c:tx>
+          <c:overlay val="0"/>
+          <c:spPr>
+            <a:noFill/>
+            <a:ln>
+              <a:noFill/>
+            </a:ln>
+            <a:effectLst/>
+          </c:spPr>
+          <c:txPr>
+            <a:bodyPr rot="-5400000" spcFirstLastPara="1" vertOverflow="ellipsis" vert="horz" wrap="square" anchor="ctr" anchorCtr="1"/>
+            <a:lstStyle/>
+            <a:p>
+              <a:pPr>
+                <a:defRPr sz="2400" b="0" i="0" u="none" strike="noStrike" kern="1200" baseline="0">
+                  <a:solidFill>
+                    <a:schemeClr val="tx1">
+                      <a:lumMod val="65000"/>
+                      <a:lumOff val="35000"/>
+                    </a:schemeClr>
+                  </a:solidFill>
+                  <a:latin typeface="+mn-lt"/>
+                  <a:ea typeface="+mn-ea"/>
+                  <a:cs typeface="+mn-cs"/>
+                </a:defRPr>
+              </a:pPr>
+              <a:endParaRPr lang="tr-TR"/>
+            </a:p>
+          </c:txPr>
+        </c:title>
+        <c:numFmt formatCode="General" sourceLinked="1"/>
+        <c:majorTickMark val="none"/>
+        <c:minorTickMark val="none"/>
+        <c:tickLblPos val="nextTo"/>
+        <c:spPr>
+          <a:noFill/>
+          <a:ln>
+            <a:noFill/>
+          </a:ln>
+          <a:effectLst/>
+        </c:spPr>
+        <c:txPr>
+          <a:bodyPr rot="-60000000" spcFirstLastPara="1" vertOverflow="ellipsis" vert="horz" wrap="square" anchor="ctr" anchorCtr="1"/>
+          <a:lstStyle/>
+          <a:p>
+            <a:pPr>
+              <a:defRPr sz="2400" b="0" i="0" u="none" strike="noStrike" kern="1200" baseline="0">
+                <a:solidFill>
+                  <a:schemeClr val="tx1">
+                    <a:lumMod val="65000"/>
+                    <a:lumOff val="35000"/>
+                  </a:schemeClr>
+                </a:solidFill>
+                <a:latin typeface="+mn-lt"/>
+                <a:ea typeface="+mn-ea"/>
+                <a:cs typeface="+mn-cs"/>
+              </a:defRPr>
+            </a:pPr>
+            <a:endParaRPr lang="tr-TR"/>
+          </a:p>
+        </c:txPr>
+        <c:crossAx val="403920784"/>
+        <c:crosses val="autoZero"/>
+        <c:crossBetween val="between"/>
+      </c:valAx>
+      <c:spPr>
+        <a:noFill/>
+        <a:ln>
+          <a:noFill/>
+        </a:ln>
+        <a:effectLst/>
+      </c:spPr>
+    </c:plotArea>
+    <c:plotVisOnly val="1"/>
+    <c:dispBlanksAs val="gap"/>
+    <c:extLst>
+      <c:ext xmlns:c16r3="http://schemas.microsoft.com/office/drawing/2017/03/chart" uri="{56B9EC1D-385E-4148-901F-78D8002777C0}">
+        <c16r3:dataDisplayOptions16>
+          <c16r3:dispNaAsBlank val="1"/>
+        </c16r3:dataDisplayOptions16>
+      </c:ext>
+    </c:extLst>
+    <c:showDLblsOverMax val="0"/>
+  </c:chart>
+  <c:spPr>
+    <a:noFill/>
+    <a:ln>
+      <a:noFill/>
+    </a:ln>
+    <a:effectLst/>
+  </c:spPr>
+  <c:txPr>
+    <a:bodyPr/>
+    <a:lstStyle/>
+    <a:p>
+      <a:pPr>
+        <a:defRPr/>
+      </a:pPr>
+      <a:endParaRPr lang="tr-TR"/>
+    </a:p>
+  </c:txPr>
+  <c:externalData r:id="rId3">
+    <c:autoUpdate val="0"/>
+  </c:externalData>
+  <c:userShapes r:id="rId4"/>
+</c:chartSpace>
+</file>
+
+<file path=ppt/charts/chart2.xml><?xml version="1.0" encoding="utf-8"?>
+<c:chartSpace xmlns:c="http://schemas.openxmlformats.org/drawingml/2006/chart" xmlns:a="http://schemas.openxmlformats.org/drawingml/2006/main" xmlns:r="http://schemas.openxmlformats.org/officeDocument/2006/relationships" xmlns:c16r2="http://schemas.microsoft.com/office/drawing/2015/06/chart">
+  <c:date1904 val="0"/>
+  <c:lang val="tr-TR"/>
+  <c:roundedCorners val="0"/>
+  <mc:AlternateContent xmlns:mc="http://schemas.openxmlformats.org/markup-compatibility/2006">
+    <mc:Choice xmlns:c14="http://schemas.microsoft.com/office/drawing/2007/8/2/chart" Requires="c14">
+      <c14:style val="102"/>
+    </mc:Choice>
+    <mc:Fallback>
+      <c:style val="2"/>
+    </mc:Fallback>
+  </mc:AlternateContent>
+  <c:chart>
+    <c:autoTitleDeleted val="1"/>
+    <c:plotArea>
+      <c:layout>
+        <c:manualLayout>
+          <c:layoutTarget val="inner"/>
+          <c:xMode val="edge"/>
+          <c:yMode val="edge"/>
+          <c:x val="0.12692970710934726"/>
+          <c:y val="4.1952356264108967E-2"/>
+          <c:w val="0.87307029289065274"/>
+          <c:h val="0.82518280893900608"/>
+        </c:manualLayout>
+      </c:layout>
+      <c:lineChart>
+        <c:grouping val="standard"/>
+        <c:varyColors val="0"/>
+        <c:ser>
+          <c:idx val="0"/>
+          <c:order val="0"/>
+          <c:tx>
+            <c:strRef>
+              <c:f>Sayfa1!$B$1</c:f>
+              <c:strCache>
+                <c:ptCount val="1"/>
+                <c:pt idx="0">
+                  <c:v>Seri 1</c:v>
+                </c:pt>
+              </c:strCache>
+            </c:strRef>
+          </c:tx>
+          <c:spPr>
+            <a:ln w="101600" cap="rnd">
+              <a:solidFill>
+                <a:srgbClr val="FF0000"/>
+              </a:solidFill>
+              <a:round/>
+            </a:ln>
+            <a:effectLst/>
+          </c:spPr>
+          <c:marker>
+            <c:symbol val="none"/>
+          </c:marker>
+          <c:cat>
+            <c:numRef>
+              <c:f>Sayfa1!$A$2:$A$11</c:f>
+              <c:numCache>
+                <c:formatCode>General</c:formatCode>
+                <c:ptCount val="10"/>
+                <c:pt idx="0">
+                  <c:v>5</c:v>
+                </c:pt>
+                <c:pt idx="1">
+                  <c:v>10</c:v>
+                </c:pt>
+                <c:pt idx="2">
+                  <c:v>15</c:v>
+                </c:pt>
+                <c:pt idx="3">
+                  <c:v>20</c:v>
+                </c:pt>
+                <c:pt idx="4">
+                  <c:v>25</c:v>
+                </c:pt>
+                <c:pt idx="5">
+                  <c:v>30</c:v>
+                </c:pt>
+                <c:pt idx="6">
+                  <c:v>35</c:v>
+                </c:pt>
+                <c:pt idx="7">
+                  <c:v>40</c:v>
+                </c:pt>
+                <c:pt idx="8">
+                  <c:v>45</c:v>
+                </c:pt>
+                <c:pt idx="9">
+                  <c:v>50</c:v>
+                </c:pt>
+              </c:numCache>
+            </c:numRef>
+          </c:cat>
+          <c:val>
+            <c:numRef>
+              <c:f>Sayfa1!$B$2:$B$11</c:f>
+              <c:numCache>
+                <c:formatCode>General</c:formatCode>
+                <c:ptCount val="10"/>
+                <c:pt idx="0">
+                  <c:v>98</c:v>
+                </c:pt>
+                <c:pt idx="1">
+                  <c:v>98</c:v>
+                </c:pt>
+                <c:pt idx="2">
+                  <c:v>99</c:v>
+                </c:pt>
+                <c:pt idx="3">
+                  <c:v>97</c:v>
+                </c:pt>
+                <c:pt idx="4">
+                  <c:v>97</c:v>
+                </c:pt>
+                <c:pt idx="5">
+                  <c:v>96</c:v>
+                </c:pt>
+                <c:pt idx="6">
+                  <c:v>88</c:v>
+                </c:pt>
+                <c:pt idx="7">
+                  <c:v>78</c:v>
+                </c:pt>
+                <c:pt idx="8">
+                  <c:v>46</c:v>
+                </c:pt>
+                <c:pt idx="9">
+                  <c:v>21</c:v>
+                </c:pt>
+              </c:numCache>
+            </c:numRef>
+          </c:val>
+          <c:smooth val="0"/>
+          <c:extLst>
+            <c:ext xmlns:c16="http://schemas.microsoft.com/office/drawing/2014/chart" uri="{C3380CC4-5D6E-409C-BE32-E72D297353CC}">
+              <c16:uniqueId val="{00000000-CAFC-4AEA-B890-06EBC4411ECD}"/>
+            </c:ext>
+          </c:extLst>
+        </c:ser>
+        <c:dLbls>
+          <c:showLegendKey val="0"/>
+          <c:showVal val="0"/>
+          <c:showCatName val="0"/>
+          <c:showSerName val="0"/>
+          <c:showPercent val="0"/>
+          <c:showBubbleSize val="0"/>
+        </c:dLbls>
+        <c:smooth val="0"/>
+        <c:axId val="403920784"/>
+        <c:axId val="403919800"/>
+      </c:lineChart>
+      <c:catAx>
+        <c:axId val="403920784"/>
+        <c:scaling>
+          <c:orientation val="minMax"/>
+        </c:scaling>
+        <c:delete val="0"/>
+        <c:axPos val="b"/>
+        <c:title>
+          <c:tx>
+            <c:rich>
+              <a:bodyPr rot="0" spcFirstLastPara="1" vertOverflow="ellipsis" vert="horz" wrap="square" anchor="ctr" anchorCtr="1"/>
+              <a:lstStyle/>
+              <a:p>
+                <a:pPr>
+                  <a:defRPr sz="2400" b="0" i="0" u="none" strike="noStrike" kern="1200" baseline="0">
+                    <a:solidFill>
+                      <a:schemeClr val="tx1">
+                        <a:lumMod val="65000"/>
+                        <a:lumOff val="35000"/>
+                      </a:schemeClr>
+                    </a:solidFill>
+                    <a:latin typeface="+mn-lt"/>
+                    <a:ea typeface="+mn-ea"/>
+                    <a:cs typeface="+mn-cs"/>
+                  </a:defRPr>
+                </a:pPr>
+                <a:r>
+                  <a:rPr lang="tr-TR" sz="2400" dirty="0" err="1"/>
+                  <a:t>Distance</a:t>
+                </a:r>
+                <a:r>
+                  <a:rPr lang="tr-TR" sz="2400" dirty="0"/>
+                  <a:t> (m)</a:t>
+                </a:r>
+                <a:endParaRPr lang="en-US" sz="2400" dirty="0"/>
+              </a:p>
+            </c:rich>
+          </c:tx>
+          <c:layout>
+            <c:manualLayout>
+              <c:xMode val="edge"/>
+              <c:yMode val="edge"/>
+              <c:x val="0.41079745911573268"/>
+              <c:y val="0.94409300303511445"/>
+            </c:manualLayout>
+          </c:layout>
+          <c:overlay val="0"/>
+          <c:spPr>
+            <a:noFill/>
+            <a:ln>
+              <a:noFill/>
+            </a:ln>
+            <a:effectLst/>
+          </c:spPr>
+          <c:txPr>
+            <a:bodyPr rot="0" spcFirstLastPara="1" vertOverflow="ellipsis" vert="horz" wrap="square" anchor="ctr" anchorCtr="1"/>
+            <a:lstStyle/>
+            <a:p>
+              <a:pPr>
+                <a:defRPr sz="2400" b="0" i="0" u="none" strike="noStrike" kern="1200" baseline="0">
+                  <a:solidFill>
+                    <a:schemeClr val="tx1">
+                      <a:lumMod val="65000"/>
+                      <a:lumOff val="35000"/>
+                    </a:schemeClr>
+                  </a:solidFill>
+                  <a:latin typeface="+mn-lt"/>
+                  <a:ea typeface="+mn-ea"/>
+                  <a:cs typeface="+mn-cs"/>
+                </a:defRPr>
+              </a:pPr>
+              <a:endParaRPr lang="tr-TR"/>
+            </a:p>
+          </c:txPr>
+        </c:title>
+        <c:numFmt formatCode="General" sourceLinked="1"/>
+        <c:majorTickMark val="none"/>
+        <c:minorTickMark val="none"/>
+        <c:tickLblPos val="nextTo"/>
+        <c:spPr>
+          <a:noFill/>
+          <a:ln w="9525" cap="flat" cmpd="sng" algn="ctr">
+            <a:solidFill>
+              <a:schemeClr val="tx1">
+                <a:lumMod val="15000"/>
+                <a:lumOff val="85000"/>
+              </a:schemeClr>
+            </a:solidFill>
+            <a:round/>
+          </a:ln>
+          <a:effectLst/>
+        </c:spPr>
+        <c:txPr>
+          <a:bodyPr rot="-60000000" spcFirstLastPara="1" vertOverflow="ellipsis" vert="horz" wrap="square" anchor="ctr" anchorCtr="1"/>
+          <a:lstStyle/>
+          <a:p>
+            <a:pPr>
+              <a:defRPr sz="2400" b="0" i="0" u="none" strike="noStrike" kern="1200" baseline="0">
+                <a:solidFill>
+                  <a:schemeClr val="tx1">
+                    <a:lumMod val="65000"/>
+                    <a:lumOff val="35000"/>
+                  </a:schemeClr>
+                </a:solidFill>
+                <a:latin typeface="+mn-lt"/>
+                <a:ea typeface="+mn-ea"/>
+                <a:cs typeface="+mn-cs"/>
+              </a:defRPr>
+            </a:pPr>
+            <a:endParaRPr lang="tr-TR"/>
+          </a:p>
+        </c:txPr>
+        <c:crossAx val="403919800"/>
+        <c:crosses val="autoZero"/>
+        <c:auto val="1"/>
+        <c:lblAlgn val="ctr"/>
+        <c:lblOffset val="100"/>
+        <c:noMultiLvlLbl val="0"/>
+      </c:catAx>
+      <c:valAx>
+        <c:axId val="403919800"/>
+        <c:scaling>
+          <c:orientation val="minMax"/>
+          <c:max val="100"/>
+        </c:scaling>
+        <c:delete val="0"/>
+        <c:axPos val="l"/>
+        <c:title>
+          <c:tx>
+            <c:rich>
+              <a:bodyPr rot="-5400000" spcFirstLastPara="1" vertOverflow="ellipsis" vert="horz" wrap="square" anchor="ctr" anchorCtr="1"/>
+              <a:lstStyle/>
+              <a:p>
+                <a:pPr>
+                  <a:defRPr sz="2400" b="0" i="0" u="none" strike="noStrike" kern="1200" baseline="0">
+                    <a:solidFill>
+                      <a:schemeClr val="tx1">
+                        <a:lumMod val="65000"/>
+                        <a:lumOff val="35000"/>
+                      </a:schemeClr>
+                    </a:solidFill>
+                    <a:latin typeface="+mn-lt"/>
+                    <a:ea typeface="+mn-ea"/>
+                    <a:cs typeface="+mn-cs"/>
+                  </a:defRPr>
+                </a:pPr>
+                <a:r>
+                  <a:rPr lang="tr-TR" sz="2400" b="0" i="0" u="none" strike="noStrike" baseline="0" dirty="0">
+                    <a:effectLst/>
+                  </a:rPr>
+                  <a:t> </a:t>
+                </a:r>
+                <a:r>
+                  <a:rPr lang="tr-TR" sz="2400" b="0" i="0" u="none" strike="noStrike" baseline="0" dirty="0" err="1">
+                    <a:effectLst/>
+                  </a:rPr>
+                  <a:t>Received</a:t>
+                </a:r>
+                <a:r>
+                  <a:rPr lang="tr-TR" sz="2400" b="0" i="0" u="none" strike="noStrike" baseline="0" dirty="0">
+                    <a:effectLst/>
+                  </a:rPr>
+                  <a:t>  </a:t>
+                </a:r>
+                <a:r>
+                  <a:rPr lang="tr-TR" sz="2400" dirty="0"/>
+                  <a:t>Video </a:t>
+                </a:r>
+                <a:r>
+                  <a:rPr lang="tr-TR" sz="2400" dirty="0" err="1"/>
+                  <a:t>Percentage</a:t>
+                </a:r>
+                <a:r>
+                  <a:rPr lang="tr-TR" sz="2400" dirty="0"/>
+                  <a:t> (%)</a:t>
+                </a:r>
+                <a:endParaRPr lang="en-US" sz="2400" dirty="0"/>
+              </a:p>
+            </c:rich>
+          </c:tx>
+          <c:overlay val="0"/>
+          <c:spPr>
+            <a:noFill/>
+            <a:ln>
+              <a:noFill/>
+            </a:ln>
+            <a:effectLst/>
+          </c:spPr>
+          <c:txPr>
+            <a:bodyPr rot="-5400000" spcFirstLastPara="1" vertOverflow="ellipsis" vert="horz" wrap="square" anchor="ctr" anchorCtr="1"/>
+            <a:lstStyle/>
+            <a:p>
+              <a:pPr>
+                <a:defRPr sz="2400" b="0" i="0" u="none" strike="noStrike" kern="1200" baseline="0">
+                  <a:solidFill>
+                    <a:schemeClr val="tx1">
+                      <a:lumMod val="65000"/>
+                      <a:lumOff val="35000"/>
+                    </a:schemeClr>
+                  </a:solidFill>
+                  <a:latin typeface="+mn-lt"/>
+                  <a:ea typeface="+mn-ea"/>
+                  <a:cs typeface="+mn-cs"/>
+                </a:defRPr>
+              </a:pPr>
+              <a:endParaRPr lang="tr-TR"/>
+            </a:p>
+          </c:txPr>
+        </c:title>
+        <c:numFmt formatCode="General" sourceLinked="1"/>
+        <c:majorTickMark val="none"/>
+        <c:minorTickMark val="none"/>
+        <c:tickLblPos val="nextTo"/>
+        <c:spPr>
+          <a:noFill/>
+          <a:ln>
+            <a:noFill/>
+          </a:ln>
+          <a:effectLst/>
+        </c:spPr>
+        <c:txPr>
+          <a:bodyPr rot="-60000000" spcFirstLastPara="1" vertOverflow="ellipsis" vert="horz" wrap="square" anchor="ctr" anchorCtr="1"/>
+          <a:lstStyle/>
+          <a:p>
+            <a:pPr>
+              <a:defRPr sz="2400" b="0" i="0" u="none" strike="noStrike" kern="1200" baseline="0">
+                <a:solidFill>
+                  <a:schemeClr val="tx1">
+                    <a:lumMod val="65000"/>
+                    <a:lumOff val="35000"/>
+                  </a:schemeClr>
+                </a:solidFill>
+                <a:latin typeface="+mn-lt"/>
+                <a:ea typeface="+mn-ea"/>
+                <a:cs typeface="+mn-cs"/>
+              </a:defRPr>
+            </a:pPr>
+            <a:endParaRPr lang="tr-TR"/>
+          </a:p>
+        </c:txPr>
+        <c:crossAx val="403920784"/>
+        <c:crosses val="autoZero"/>
+        <c:crossBetween val="between"/>
+      </c:valAx>
+      <c:spPr>
+        <a:noFill/>
+        <a:ln>
+          <a:noFill/>
+        </a:ln>
+        <a:effectLst/>
+      </c:spPr>
+    </c:plotArea>
+    <c:plotVisOnly val="1"/>
+    <c:dispBlanksAs val="gap"/>
+    <c:extLst>
+      <c:ext xmlns:c16r3="http://schemas.microsoft.com/office/drawing/2017/03/chart" uri="{56B9EC1D-385E-4148-901F-78D8002777C0}">
+        <c16r3:dataDisplayOptions16>
+          <c16r3:dispNaAsBlank val="1"/>
+        </c16r3:dataDisplayOptions16>
+      </c:ext>
+    </c:extLst>
+    <c:showDLblsOverMax val="0"/>
+  </c:chart>
+  <c:spPr>
+    <a:noFill/>
+    <a:ln>
+      <a:noFill/>
+    </a:ln>
+    <a:effectLst/>
+  </c:spPr>
+  <c:txPr>
+    <a:bodyPr/>
+    <a:lstStyle/>
+    <a:p>
+      <a:pPr>
+        <a:defRPr/>
+      </a:pPr>
+      <a:endParaRPr lang="tr-TR"/>
+    </a:p>
+  </c:txPr>
+  <c:externalData r:id="rId3">
+    <c:autoUpdate val="0"/>
+  </c:externalData>
+  <c:userShapes r:id="rId4"/>
+</c:chartSpace>
+</file>
+
+<file path=ppt/charts/colors1.xml><?xml version="1.0" encoding="utf-8"?>
+<cs:colorStyle xmlns:cs="http://schemas.microsoft.com/office/drawing/2012/chartStyle" xmlns:a="http://schemas.openxmlformats.org/drawingml/2006/main" meth="cycle" id="10">
+  <a:schemeClr val="accent1"/>
+  <a:schemeClr val="accent2"/>
+  <a:schemeClr val="accent3"/>
+  <a:schemeClr val="accent4"/>
+  <a:schemeClr val="accent5"/>
+  <a:schemeClr val="accent6"/>
+  <cs:variation/>
+  <cs:variation>
+    <a:lumMod val="60000"/>
+  </cs:variation>
+  <cs:variation>
+    <a:lumMod val="80000"/>
+    <a:lumOff val="20000"/>
+  </cs:variation>
+  <cs:variation>
+    <a:lumMod val="80000"/>
+  </cs:variation>
+  <cs:variation>
+    <a:lumMod val="60000"/>
+    <a:lumOff val="40000"/>
+  </cs:variation>
+  <cs:variation>
+    <a:lumMod val="50000"/>
+  </cs:variation>
+  <cs:variation>
+    <a:lumMod val="70000"/>
+    <a:lumOff val="30000"/>
+  </cs:variation>
+  <cs:variation>
+    <a:lumMod val="70000"/>
+  </cs:variation>
+  <cs:variation>
+    <a:lumMod val="50000"/>
+    <a:lumOff val="50000"/>
+  </cs:variation>
+</cs:colorStyle>
+</file>
+
+<file path=ppt/charts/colors2.xml><?xml version="1.0" encoding="utf-8"?>
+<cs:colorStyle xmlns:cs="http://schemas.microsoft.com/office/drawing/2012/chartStyle" xmlns:a="http://schemas.openxmlformats.org/drawingml/2006/main" meth="cycle" id="10">
+  <a:schemeClr val="accent1"/>
+  <a:schemeClr val="accent2"/>
+  <a:schemeClr val="accent3"/>
+  <a:schemeClr val="accent4"/>
+  <a:schemeClr val="accent5"/>
+  <a:schemeClr val="accent6"/>
+  <cs:variation/>
+  <cs:variation>
+    <a:lumMod val="60000"/>
+  </cs:variation>
+  <cs:variation>
+    <a:lumMod val="80000"/>
+    <a:lumOff val="20000"/>
+  </cs:variation>
+  <cs:variation>
+    <a:lumMod val="80000"/>
+  </cs:variation>
+  <cs:variation>
+    <a:lumMod val="60000"/>
+    <a:lumOff val="40000"/>
+  </cs:variation>
+  <cs:variation>
+    <a:lumMod val="50000"/>
+  </cs:variation>
+  <cs:variation>
+    <a:lumMod val="70000"/>
+    <a:lumOff val="30000"/>
+  </cs:variation>
+  <cs:variation>
+    <a:lumMod val="70000"/>
+  </cs:variation>
+  <cs:variation>
+    <a:lumMod val="50000"/>
+    <a:lumOff val="50000"/>
+  </cs:variation>
+</cs:colorStyle>
+</file>
+
+<file path=ppt/charts/style1.xml><?xml version="1.0" encoding="utf-8"?>
+<cs:chartStyle xmlns:cs="http://schemas.microsoft.com/office/drawing/2012/chartStyle" xmlns:a="http://schemas.openxmlformats.org/drawingml/2006/main" id="227">
+  <cs:axisTitle>
+    <cs:lnRef idx="0"/>
+    <cs:fillRef idx="0"/>
+    <cs:effectRef idx="0"/>
+    <cs:fontRef idx="minor">
+      <a:schemeClr val="tx1">
+        <a:lumMod val="65000"/>
+        <a:lumOff val="35000"/>
+      </a:schemeClr>
+    </cs:fontRef>
+    <cs:defRPr sz="1330" kern="1200"/>
+  </cs:axisTitle>
+  <cs:categoryAxis>
+    <cs:lnRef idx="0"/>
+    <cs:fillRef idx="0"/>
+    <cs:effectRef idx="0"/>
+    <cs:fontRef idx="minor">
+      <a:schemeClr val="tx1">
+        <a:lumMod val="65000"/>
+        <a:lumOff val="35000"/>
+      </a:schemeClr>
+    </cs:fontRef>
+    <cs:spPr>
+      <a:ln w="9525" cap="flat" cmpd="sng" algn="ctr">
+        <a:solidFill>
+          <a:schemeClr val="tx1">
+            <a:lumMod val="15000"/>
+            <a:lumOff val="85000"/>
+          </a:schemeClr>
+        </a:solidFill>
+        <a:round/>
+      </a:ln>
+    </cs:spPr>
+    <cs:defRPr sz="1197" kern="1200"/>
+  </cs:categoryAxis>
+  <cs:chartArea mods="allowNoFillOverride allowNoLineOverride">
+    <cs:lnRef idx="0"/>
+    <cs:fillRef idx="0"/>
+    <cs:effectRef idx="0"/>
+    <cs:fontRef idx="minor">
+      <a:schemeClr val="tx1"/>
+    </cs:fontRef>
+    <cs:spPr>
+      <a:solidFill>
+        <a:schemeClr val="bg1"/>
+      </a:solidFill>
+      <a:ln w="9525" cap="flat" cmpd="sng" algn="ctr">
+        <a:solidFill>
+          <a:schemeClr val="tx1">
+            <a:lumMod val="15000"/>
+            <a:lumOff val="85000"/>
+          </a:schemeClr>
+        </a:solidFill>
+        <a:round/>
+      </a:ln>
+    </cs:spPr>
+    <cs:defRPr sz="1330" kern="1200"/>
+  </cs:chartArea>
+  <cs:dataLabel>
+    <cs:lnRef idx="0"/>
+    <cs:fillRef idx="0"/>
+    <cs:effectRef idx="0"/>
+    <cs:fontRef idx="minor">
+      <a:schemeClr val="tx1">
+        <a:lumMod val="75000"/>
+        <a:lumOff val="25000"/>
+      </a:schemeClr>
+    </cs:fontRef>
+    <cs:defRPr sz="1197" kern="1200"/>
+  </cs:dataLabel>
+  <cs:dataLabelCallout>
+    <cs:lnRef idx="0"/>
+    <cs:fillRef idx="0"/>
+    <cs:effectRef idx="0"/>
+    <cs:fontRef idx="minor">
+      <a:schemeClr val="dk1">
+        <a:lumMod val="65000"/>
+        <a:lumOff val="35000"/>
+      </a:schemeClr>
+    </cs:fontRef>
+    <cs:spPr>
+      <a:solidFill>
+        <a:schemeClr val="lt1"/>
+      </a:solidFill>
+      <a:ln>
+        <a:solidFill>
+          <a:schemeClr val="dk1">
+            <a:lumMod val="25000"/>
+            <a:lumOff val="75000"/>
+          </a:schemeClr>
+        </a:solidFill>
+      </a:ln>
+    </cs:spPr>
+    <cs:defRPr sz="1197" kern="1200"/>
+    <cs:bodyPr rot="0" spcFirstLastPara="1" vertOverflow="clip" horzOverflow="clip" vert="horz" wrap="square" lIns="36576" tIns="18288" rIns="36576" bIns="18288" anchor="ctr" anchorCtr="1">
+      <a:spAutoFit/>
+    </cs:bodyPr>
+  </cs:dataLabelCallout>
+  <cs:dataPoint>
+    <cs:lnRef idx="0"/>
+    <cs:fillRef idx="1">
+      <cs:styleClr val="auto"/>
+    </cs:fillRef>
+    <cs:effectRef idx="0"/>
+    <cs:fontRef idx="minor">
+      <a:schemeClr val="tx1"/>
+    </cs:fontRef>
+    <cs:spPr>
+      <a:solidFill>
+        <a:schemeClr val="phClr"/>
+      </a:solidFill>
+    </cs:spPr>
+  </cs:dataPoint>
+  <cs:dataPoint3D>
+    <cs:lnRef idx="0"/>
+    <cs:fillRef idx="1">
+      <cs:styleClr val="auto"/>
+    </cs:fillRef>
+    <cs:effectRef idx="0"/>
+    <cs:fontRef idx="minor">
+      <a:schemeClr val="tx1"/>
+    </cs:fontRef>
+    <cs:spPr>
+      <a:solidFill>
+        <a:schemeClr val="phClr"/>
+      </a:solidFill>
+    </cs:spPr>
+  </cs:dataPoint3D>
+  <cs:dataPointLine>
+    <cs:lnRef idx="0">
+      <cs:styleClr val="auto"/>
+    </cs:lnRef>
+    <cs:fillRef idx="1"/>
+    <cs:effectRef idx="0"/>
+    <cs:fontRef idx="minor">
+      <a:schemeClr val="tx1"/>
+    </cs:fontRef>
+    <cs:spPr>
+      <a:ln w="28575" cap="rnd">
+        <a:solidFill>
+          <a:schemeClr val="phClr"/>
+        </a:solidFill>
+        <a:round/>
+      </a:ln>
+    </cs:spPr>
+  </cs:dataPointLine>
+  <cs:dataPointMarker>
+    <cs:lnRef idx="0">
+      <cs:styleClr val="auto"/>
+    </cs:lnRef>
+    <cs:fillRef idx="1">
+      <cs:styleClr val="auto"/>
+    </cs:fillRef>
+    <cs:effectRef idx="0"/>
+    <cs:fontRef idx="minor">
+      <a:schemeClr val="tx1"/>
+    </cs:fontRef>
+    <cs:spPr>
+      <a:solidFill>
+        <a:schemeClr val="phClr"/>
+      </a:solidFill>
+      <a:ln w="9525">
+        <a:solidFill>
+          <a:schemeClr val="phClr"/>
+        </a:solidFill>
+      </a:ln>
+    </cs:spPr>
+  </cs:dataPointMarker>
+  <cs:dataPointMarkerLayout symbol="circle" size="5"/>
+  <cs:dataPointWireframe>
+    <cs:lnRef idx="0">
+      <cs:styleClr val="auto"/>
+    </cs:lnRef>
+    <cs:fillRef idx="1"/>
+    <cs:effectRef idx="0"/>
+    <cs:fontRef idx="minor">
+      <a:schemeClr val="tx1"/>
+    </cs:fontRef>
+    <cs:spPr>
+      <a:ln w="9525" cap="rnd">
+        <a:solidFill>
+          <a:schemeClr val="phClr"/>
+        </a:solidFill>
+        <a:round/>
+      </a:ln>
+    </cs:spPr>
+  </cs:dataPointWireframe>
+  <cs:dataTable>
+    <cs:lnRef idx="0"/>
+    <cs:fillRef idx="0"/>
+    <cs:effectRef idx="0"/>
+    <cs:fontRef idx="minor">
+      <a:schemeClr val="tx1">
+        <a:lumMod val="65000"/>
+        <a:lumOff val="35000"/>
+      </a:schemeClr>
+    </cs:fontRef>
+    <cs:spPr>
+      <a:noFill/>
+      <a:ln w="9525" cap="flat" cmpd="sng" algn="ctr">
+        <a:solidFill>
+          <a:schemeClr val="tx1">
+            <a:lumMod val="15000"/>
+            <a:lumOff val="85000"/>
+          </a:schemeClr>
+        </a:solidFill>
+        <a:round/>
+      </a:ln>
+    </cs:spPr>
+    <cs:defRPr sz="1197" kern="1200"/>
+  </cs:dataTable>
+  <cs:downBar>
+    <cs:lnRef idx="0"/>
+    <cs:fillRef idx="0"/>
+    <cs:effectRef idx="0"/>
+    <cs:fontRef idx="minor">
+      <a:schemeClr val="dk1"/>
+    </cs:fontRef>
+    <cs:spPr>
+      <a:solidFill>
+        <a:schemeClr val="dk1">
+          <a:lumMod val="65000"/>
+          <a:lumOff val="35000"/>
+        </a:schemeClr>
+      </a:solidFill>
+      <a:ln w="9525">
+        <a:solidFill>
+          <a:schemeClr val="tx1">
+            <a:lumMod val="65000"/>
+            <a:lumOff val="35000"/>
+          </a:schemeClr>
+        </a:solidFill>
+      </a:ln>
+    </cs:spPr>
+  </cs:downBar>
+  <cs:dropLine>
+    <cs:lnRef idx="0"/>
+    <cs:fillRef idx="0"/>
+    <cs:effectRef idx="0"/>
+    <cs:fontRef idx="minor">
+      <a:schemeClr val="tx1"/>
+    </cs:fontRef>
+    <cs:spPr>
+      <a:ln w="9525" cap="flat" cmpd="sng" algn="ctr">
+        <a:solidFill>
+          <a:schemeClr val="tx1">
+            <a:lumMod val="35000"/>
+            <a:lumOff val="65000"/>
+          </a:schemeClr>
+        </a:solidFill>
+        <a:round/>
+      </a:ln>
+    </cs:spPr>
+  </cs:dropLine>
+  <cs:errorBar>
+    <cs:lnRef idx="0"/>
+    <cs:fillRef idx="0"/>
+    <cs:effectRef idx="0"/>
+    <cs:fontRef idx="minor">
+      <a:schemeClr val="tx1"/>
+    </cs:fontRef>
+    <cs:spPr>
+      <a:ln w="9525" cap="flat" cmpd="sng" algn="ctr">
+        <a:solidFill>
+          <a:schemeClr val="tx1">
+            <a:lumMod val="65000"/>
+            <a:lumOff val="35000"/>
+          </a:schemeClr>
+        </a:solidFill>
+        <a:round/>
+      </a:ln>
+    </cs:spPr>
+  </cs:errorBar>
+  <cs:floor>
+    <cs:lnRef idx="0"/>
+    <cs:fillRef idx="0"/>
+    <cs:effectRef idx="0"/>
+    <cs:fontRef idx="minor">
+      <a:schemeClr val="tx1"/>
+    </cs:fontRef>
+    <cs:spPr>
+      <a:noFill/>
+      <a:ln>
+        <a:noFill/>
+      </a:ln>
+    </cs:spPr>
+  </cs:floor>
+  <cs:gridlineMajor>
+    <cs:lnRef idx="0"/>
+    <cs:fillRef idx="0"/>
+    <cs:effectRef idx="0"/>
+    <cs:fontRef idx="minor">
+      <a:schemeClr val="tx1"/>
+    </cs:fontRef>
+    <cs:spPr>
+      <a:ln w="9525" cap="flat" cmpd="sng" algn="ctr">
+        <a:solidFill>
+          <a:schemeClr val="tx1">
+            <a:lumMod val="15000"/>
+            <a:lumOff val="85000"/>
+          </a:schemeClr>
+        </a:solidFill>
+        <a:round/>
+      </a:ln>
+    </cs:spPr>
+  </cs:gridlineMajor>
+  <cs:gridlineMinor>
+    <cs:lnRef idx="0"/>
+    <cs:fillRef idx="0"/>
+    <cs:effectRef idx="0"/>
+    <cs:fontRef idx="minor">
+      <a:schemeClr val="tx1"/>
+    </cs:fontRef>
+    <cs:spPr>
+      <a:ln w="9525" cap="flat" cmpd="sng" algn="ctr">
+        <a:solidFill>
+          <a:schemeClr val="tx1">
+            <a:lumMod val="5000"/>
+            <a:lumOff val="95000"/>
+          </a:schemeClr>
+        </a:solidFill>
+        <a:round/>
+      </a:ln>
+    </cs:spPr>
+  </cs:gridlineMinor>
+  <cs:hiLoLine>
+    <cs:lnRef idx="0"/>
+    <cs:fillRef idx="0"/>
+    <cs:effectRef idx="0"/>
+    <cs:fontRef idx="minor">
+      <a:schemeClr val="tx1"/>
+    </cs:fontRef>
+    <cs:spPr>
+      <a:ln w="9525" cap="flat" cmpd="sng" algn="ctr">
+        <a:solidFill>
+          <a:schemeClr val="tx1">
+            <a:lumMod val="75000"/>
+            <a:lumOff val="25000"/>
+          </a:schemeClr>
+        </a:solidFill>
+        <a:round/>
+      </a:ln>
+    </cs:spPr>
+  </cs:hiLoLine>
+  <cs:leaderLine>
+    <cs:lnRef idx="0"/>
+    <cs:fillRef idx="0"/>
+    <cs:effectRef idx="0"/>
+    <cs:fontRef idx="minor">
+      <a:schemeClr val="tx1"/>
+    </cs:fontRef>
+    <cs:spPr>
+      <a:ln w="9525" cap="flat" cmpd="sng" algn="ctr">
+        <a:solidFill>
+          <a:schemeClr val="tx1">
+            <a:lumMod val="35000"/>
+            <a:lumOff val="65000"/>
+          </a:schemeClr>
+        </a:solidFill>
+        <a:round/>
+      </a:ln>
+    </cs:spPr>
+  </cs:leaderLine>
+  <cs:legend>
+    <cs:lnRef idx="0"/>
+    <cs:fillRef idx="0"/>
+    <cs:effectRef idx="0"/>
+    <cs:fontRef idx="minor">
+      <a:schemeClr val="tx1">
+        <a:lumMod val="65000"/>
+        <a:lumOff val="35000"/>
+      </a:schemeClr>
+    </cs:fontRef>
+    <cs:defRPr sz="1197" kern="1200"/>
+  </cs:legend>
+  <cs:plotArea mods="allowNoFillOverride allowNoLineOverride">
+    <cs:lnRef idx="0"/>
+    <cs:fillRef idx="0"/>
+    <cs:effectRef idx="0"/>
+    <cs:fontRef idx="minor">
+      <a:schemeClr val="tx1"/>
+    </cs:fontRef>
+  </cs:plotArea>
+  <cs:plotArea3D mods="allowNoFillOverride allowNoLineOverride">
+    <cs:lnRef idx="0"/>
+    <cs:fillRef idx="0"/>
+    <cs:effectRef idx="0"/>
+    <cs:fontRef idx="minor">
+      <a:schemeClr val="tx1"/>
+    </cs:fontRef>
+  </cs:plotArea3D>
+  <cs:seriesAxis>
+    <cs:lnRef idx="0"/>
+    <cs:fillRef idx="0"/>
+    <cs:effectRef idx="0"/>
+    <cs:fontRef idx="minor">
+      <a:schemeClr val="tx1">
+        <a:lumMod val="65000"/>
+        <a:lumOff val="35000"/>
+      </a:schemeClr>
+    </cs:fontRef>
+    <cs:defRPr sz="1197" kern="1200"/>
+  </cs:seriesAxis>
+  <cs:seriesLine>
+    <cs:lnRef idx="0"/>
+    <cs:fillRef idx="0"/>
+    <cs:effectRef idx="0"/>
+    <cs:fontRef idx="minor">
+      <a:schemeClr val="tx1"/>
+    </cs:fontRef>
+    <cs:spPr>
+      <a:ln w="9525" cap="flat" cmpd="sng" algn="ctr">
+        <a:solidFill>
+          <a:schemeClr val="tx1">
+            <a:lumMod val="35000"/>
+            <a:lumOff val="65000"/>
+          </a:schemeClr>
+        </a:solidFill>
+        <a:round/>
+      </a:ln>
+    </cs:spPr>
+  </cs:seriesLine>
+  <cs:title>
+    <cs:lnRef idx="0"/>
+    <cs:fillRef idx="0"/>
+    <cs:effectRef idx="0"/>
+    <cs:fontRef idx="minor">
+      <a:schemeClr val="tx1">
+        <a:lumMod val="65000"/>
+        <a:lumOff val="35000"/>
+      </a:schemeClr>
+    </cs:fontRef>
+    <cs:defRPr sz="1862" b="0" kern="1200" spc="0" baseline="0"/>
+  </cs:title>
+  <cs:trendline>
+    <cs:lnRef idx="0">
+      <cs:styleClr val="auto"/>
+    </cs:lnRef>
+    <cs:fillRef idx="0"/>
+    <cs:effectRef idx="0"/>
+    <cs:fontRef idx="minor">
+      <a:schemeClr val="tx1"/>
+    </cs:fontRef>
+    <cs:spPr>
+      <a:ln w="19050" cap="rnd">
+        <a:solidFill>
+          <a:schemeClr val="phClr"/>
+        </a:solidFill>
+        <a:prstDash val="sysDot"/>
+      </a:ln>
+    </cs:spPr>
+  </cs:trendline>
+  <cs:trendlineLabel>
+    <cs:lnRef idx="0"/>
+    <cs:fillRef idx="0"/>
+    <cs:effectRef idx="0"/>
+    <cs:fontRef idx="minor">
+      <a:schemeClr val="tx1">
+        <a:lumMod val="65000"/>
+        <a:lumOff val="35000"/>
+      </a:schemeClr>
+    </cs:fontRef>
+    <cs:defRPr sz="1197" kern="1200"/>
+  </cs:trendlineLabel>
+  <cs:upBar>
+    <cs:lnRef idx="0"/>
+    <cs:fillRef idx="0"/>
+    <cs:effectRef idx="0"/>
+    <cs:fontRef idx="minor">
+      <a:schemeClr val="dk1"/>
+    </cs:fontRef>
+    <cs:spPr>
+      <a:solidFill>
+        <a:schemeClr val="lt1"/>
+      </a:solidFill>
+      <a:ln w="9525">
+        <a:solidFill>
+          <a:schemeClr val="tx1">
+            <a:lumMod val="15000"/>
+            <a:lumOff val="85000"/>
+          </a:schemeClr>
+        </a:solidFill>
+      </a:ln>
+    </cs:spPr>
+  </cs:upBar>
+  <cs:valueAxis>
+    <cs:lnRef idx="0"/>
+    <cs:fillRef idx="0"/>
+    <cs:effectRef idx="0"/>
+    <cs:fontRef idx="minor">
+      <a:schemeClr val="tx1">
+        <a:lumMod val="65000"/>
+        <a:lumOff val="35000"/>
+      </a:schemeClr>
+    </cs:fontRef>
+    <cs:defRPr sz="1197" kern="1200"/>
+  </cs:valueAxis>
+  <cs:wall>
+    <cs:lnRef idx="0"/>
+    <cs:fillRef idx="0"/>
+    <cs:effectRef idx="0"/>
+    <cs:fontRef idx="minor">
+      <a:schemeClr val="tx1"/>
+    </cs:fontRef>
+    <cs:spPr>
+      <a:noFill/>
+      <a:ln>
+        <a:noFill/>
+      </a:ln>
+    </cs:spPr>
+  </cs:wall>
+</cs:chartStyle>
+</file>
+
+<file path=ppt/charts/style2.xml><?xml version="1.0" encoding="utf-8"?>
+<cs:chartStyle xmlns:cs="http://schemas.microsoft.com/office/drawing/2012/chartStyle" xmlns:a="http://schemas.openxmlformats.org/drawingml/2006/main" id="227">
+  <cs:axisTitle>
+    <cs:lnRef idx="0"/>
+    <cs:fillRef idx="0"/>
+    <cs:effectRef idx="0"/>
+    <cs:fontRef idx="minor">
+      <a:schemeClr val="tx1">
+        <a:lumMod val="65000"/>
+        <a:lumOff val="35000"/>
+      </a:schemeClr>
+    </cs:fontRef>
+    <cs:defRPr sz="1330" kern="1200"/>
+  </cs:axisTitle>
+  <cs:categoryAxis>
+    <cs:lnRef idx="0"/>
+    <cs:fillRef idx="0"/>
+    <cs:effectRef idx="0"/>
+    <cs:fontRef idx="minor">
+      <a:schemeClr val="tx1">
+        <a:lumMod val="65000"/>
+        <a:lumOff val="35000"/>
+      </a:schemeClr>
+    </cs:fontRef>
+    <cs:spPr>
+      <a:ln w="9525" cap="flat" cmpd="sng" algn="ctr">
+        <a:solidFill>
+          <a:schemeClr val="tx1">
+            <a:lumMod val="15000"/>
+            <a:lumOff val="85000"/>
+          </a:schemeClr>
+        </a:solidFill>
+        <a:round/>
+      </a:ln>
+    </cs:spPr>
+    <cs:defRPr sz="1197" kern="1200"/>
+  </cs:categoryAxis>
+  <cs:chartArea mods="allowNoFillOverride allowNoLineOverride">
+    <cs:lnRef idx="0"/>
+    <cs:fillRef idx="0"/>
+    <cs:effectRef idx="0"/>
+    <cs:fontRef idx="minor">
+      <a:schemeClr val="tx1"/>
+    </cs:fontRef>
+    <cs:spPr>
+      <a:solidFill>
+        <a:schemeClr val="bg1"/>
+      </a:solidFill>
+      <a:ln w="9525" cap="flat" cmpd="sng" algn="ctr">
+        <a:solidFill>
+          <a:schemeClr val="tx1">
+            <a:lumMod val="15000"/>
+            <a:lumOff val="85000"/>
+          </a:schemeClr>
+        </a:solidFill>
+        <a:round/>
+      </a:ln>
+    </cs:spPr>
+    <cs:defRPr sz="1330" kern="1200"/>
+  </cs:chartArea>
+  <cs:dataLabel>
+    <cs:lnRef idx="0"/>
+    <cs:fillRef idx="0"/>
+    <cs:effectRef idx="0"/>
+    <cs:fontRef idx="minor">
+      <a:schemeClr val="tx1">
+        <a:lumMod val="75000"/>
+        <a:lumOff val="25000"/>
+      </a:schemeClr>
+    </cs:fontRef>
+    <cs:defRPr sz="1197" kern="1200"/>
+  </cs:dataLabel>
+  <cs:dataLabelCallout>
+    <cs:lnRef idx="0"/>
+    <cs:fillRef idx="0"/>
+    <cs:effectRef idx="0"/>
+    <cs:fontRef idx="minor">
+      <a:schemeClr val="dk1">
+        <a:lumMod val="65000"/>
+        <a:lumOff val="35000"/>
+      </a:schemeClr>
+    </cs:fontRef>
+    <cs:spPr>
+      <a:solidFill>
+        <a:schemeClr val="lt1"/>
+      </a:solidFill>
+      <a:ln>
+        <a:solidFill>
+          <a:schemeClr val="dk1">
+            <a:lumMod val="25000"/>
+            <a:lumOff val="75000"/>
+          </a:schemeClr>
+        </a:solidFill>
+      </a:ln>
+    </cs:spPr>
+    <cs:defRPr sz="1197" kern="1200"/>
+    <cs:bodyPr rot="0" spcFirstLastPara="1" vertOverflow="clip" horzOverflow="clip" vert="horz" wrap="square" lIns="36576" tIns="18288" rIns="36576" bIns="18288" anchor="ctr" anchorCtr="1">
+      <a:spAutoFit/>
+    </cs:bodyPr>
+  </cs:dataLabelCallout>
+  <cs:dataPoint>
+    <cs:lnRef idx="0"/>
+    <cs:fillRef idx="1">
+      <cs:styleClr val="auto"/>
+    </cs:fillRef>
+    <cs:effectRef idx="0"/>
+    <cs:fontRef idx="minor">
+      <a:schemeClr val="tx1"/>
+    </cs:fontRef>
+    <cs:spPr>
+      <a:solidFill>
+        <a:schemeClr val="phClr"/>
+      </a:solidFill>
+    </cs:spPr>
+  </cs:dataPoint>
+  <cs:dataPoint3D>
+    <cs:lnRef idx="0"/>
+    <cs:fillRef idx="1">
+      <cs:styleClr val="auto"/>
+    </cs:fillRef>
+    <cs:effectRef idx="0"/>
+    <cs:fontRef idx="minor">
+      <a:schemeClr val="tx1"/>
+    </cs:fontRef>
+    <cs:spPr>
+      <a:solidFill>
+        <a:schemeClr val="phClr"/>
+      </a:solidFill>
+    </cs:spPr>
+  </cs:dataPoint3D>
+  <cs:dataPointLine>
+    <cs:lnRef idx="0">
+      <cs:styleClr val="auto"/>
+    </cs:lnRef>
+    <cs:fillRef idx="1"/>
+    <cs:effectRef idx="0"/>
+    <cs:fontRef idx="minor">
+      <a:schemeClr val="tx1"/>
+    </cs:fontRef>
+    <cs:spPr>
+      <a:ln w="28575" cap="rnd">
+        <a:solidFill>
+          <a:schemeClr val="phClr"/>
+        </a:solidFill>
+        <a:round/>
+      </a:ln>
+    </cs:spPr>
+  </cs:dataPointLine>
+  <cs:dataPointMarker>
+    <cs:lnRef idx="0">
+      <cs:styleClr val="auto"/>
+    </cs:lnRef>
+    <cs:fillRef idx="1">
+      <cs:styleClr val="auto"/>
+    </cs:fillRef>
+    <cs:effectRef idx="0"/>
+    <cs:fontRef idx="minor">
+      <a:schemeClr val="tx1"/>
+    </cs:fontRef>
+    <cs:spPr>
+      <a:solidFill>
+        <a:schemeClr val="phClr"/>
+      </a:solidFill>
+      <a:ln w="9525">
+        <a:solidFill>
+          <a:schemeClr val="phClr"/>
+        </a:solidFill>
+      </a:ln>
+    </cs:spPr>
+  </cs:dataPointMarker>
+  <cs:dataPointMarkerLayout symbol="circle" size="5"/>
+  <cs:dataPointWireframe>
+    <cs:lnRef idx="0">
+      <cs:styleClr val="auto"/>
+    </cs:lnRef>
+    <cs:fillRef idx="1"/>
+    <cs:effectRef idx="0"/>
+    <cs:fontRef idx="minor">
+      <a:schemeClr val="tx1"/>
+    </cs:fontRef>
+    <cs:spPr>
+      <a:ln w="9525" cap="rnd">
+        <a:solidFill>
+          <a:schemeClr val="phClr"/>
+        </a:solidFill>
+        <a:round/>
+      </a:ln>
+    </cs:spPr>
+  </cs:dataPointWireframe>
+  <cs:dataTable>
+    <cs:lnRef idx="0"/>
+    <cs:fillRef idx="0"/>
+    <cs:effectRef idx="0"/>
+    <cs:fontRef idx="minor">
+      <a:schemeClr val="tx1">
+        <a:lumMod val="65000"/>
+        <a:lumOff val="35000"/>
+      </a:schemeClr>
+    </cs:fontRef>
+    <cs:spPr>
+      <a:noFill/>
+      <a:ln w="9525" cap="flat" cmpd="sng" algn="ctr">
+        <a:solidFill>
+          <a:schemeClr val="tx1">
+            <a:lumMod val="15000"/>
+            <a:lumOff val="85000"/>
+          </a:schemeClr>
+        </a:solidFill>
+        <a:round/>
+      </a:ln>
+    </cs:spPr>
+    <cs:defRPr sz="1197" kern="1200"/>
+  </cs:dataTable>
+  <cs:downBar>
+    <cs:lnRef idx="0"/>
+    <cs:fillRef idx="0"/>
+    <cs:effectRef idx="0"/>
+    <cs:fontRef idx="minor">
+      <a:schemeClr val="dk1"/>
+    </cs:fontRef>
+    <cs:spPr>
+      <a:solidFill>
+        <a:schemeClr val="dk1">
+          <a:lumMod val="65000"/>
+          <a:lumOff val="35000"/>
+        </a:schemeClr>
+      </a:solidFill>
+      <a:ln w="9525">
+        <a:solidFill>
+          <a:schemeClr val="tx1">
+            <a:lumMod val="65000"/>
+            <a:lumOff val="35000"/>
+          </a:schemeClr>
+        </a:solidFill>
+      </a:ln>
+    </cs:spPr>
+  </cs:downBar>
+  <cs:dropLine>
+    <cs:lnRef idx="0"/>
+    <cs:fillRef idx="0"/>
+    <cs:effectRef idx="0"/>
+    <cs:fontRef idx="minor">
+      <a:schemeClr val="tx1"/>
+    </cs:fontRef>
+    <cs:spPr>
+      <a:ln w="9525" cap="flat" cmpd="sng" algn="ctr">
+        <a:solidFill>
+          <a:schemeClr val="tx1">
+            <a:lumMod val="35000"/>
+            <a:lumOff val="65000"/>
+          </a:schemeClr>
+        </a:solidFill>
+        <a:round/>
+      </a:ln>
+    </cs:spPr>
+  </cs:dropLine>
+  <cs:errorBar>
+    <cs:lnRef idx="0"/>
+    <cs:fillRef idx="0"/>
+    <cs:effectRef idx="0"/>
+    <cs:fontRef idx="minor">
+      <a:schemeClr val="tx1"/>
+    </cs:fontRef>
+    <cs:spPr>
+      <a:ln w="9525" cap="flat" cmpd="sng" algn="ctr">
+        <a:solidFill>
+          <a:schemeClr val="tx1">
+            <a:lumMod val="65000"/>
+            <a:lumOff val="35000"/>
+          </a:schemeClr>
+        </a:solidFill>
+        <a:round/>
+      </a:ln>
+    </cs:spPr>
+  </cs:errorBar>
+  <cs:floor>
+    <cs:lnRef idx="0"/>
+    <cs:fillRef idx="0"/>
+    <cs:effectRef idx="0"/>
+    <cs:fontRef idx="minor">
+      <a:schemeClr val="tx1"/>
+    </cs:fontRef>
+    <cs:spPr>
+      <a:noFill/>
+      <a:ln>
+        <a:noFill/>
+      </a:ln>
+    </cs:spPr>
+  </cs:floor>
+  <cs:gridlineMajor>
+    <cs:lnRef idx="0"/>
+    <cs:fillRef idx="0"/>
+    <cs:effectRef idx="0"/>
+    <cs:fontRef idx="minor">
+      <a:schemeClr val="tx1"/>
+    </cs:fontRef>
+    <cs:spPr>
+      <a:ln w="9525" cap="flat" cmpd="sng" algn="ctr">
+        <a:solidFill>
+          <a:schemeClr val="tx1">
+            <a:lumMod val="15000"/>
+            <a:lumOff val="85000"/>
+          </a:schemeClr>
+        </a:solidFill>
+        <a:round/>
+      </a:ln>
+    </cs:spPr>
+  </cs:gridlineMajor>
+  <cs:gridlineMinor>
+    <cs:lnRef idx="0"/>
+    <cs:fillRef idx="0"/>
+    <cs:effectRef idx="0"/>
+    <cs:fontRef idx="minor">
+      <a:schemeClr val="tx1"/>
+    </cs:fontRef>
+    <cs:spPr>
+      <a:ln w="9525" cap="flat" cmpd="sng" algn="ctr">
+        <a:solidFill>
+          <a:schemeClr val="tx1">
+            <a:lumMod val="5000"/>
+            <a:lumOff val="95000"/>
+          </a:schemeClr>
+        </a:solidFill>
+        <a:round/>
+      </a:ln>
+    </cs:spPr>
+  </cs:gridlineMinor>
+  <cs:hiLoLine>
+    <cs:lnRef idx="0"/>
+    <cs:fillRef idx="0"/>
+    <cs:effectRef idx="0"/>
+    <cs:fontRef idx="minor">
+      <a:schemeClr val="tx1"/>
+    </cs:fontRef>
+    <cs:spPr>
+      <a:ln w="9525" cap="flat" cmpd="sng" algn="ctr">
+        <a:solidFill>
+          <a:schemeClr val="tx1">
+            <a:lumMod val="75000"/>
+            <a:lumOff val="25000"/>
+          </a:schemeClr>
+        </a:solidFill>
+        <a:round/>
+      </a:ln>
+    </cs:spPr>
+  </cs:hiLoLine>
+  <cs:leaderLine>
+    <cs:lnRef idx="0"/>
+    <cs:fillRef idx="0"/>
+    <cs:effectRef idx="0"/>
+    <cs:fontRef idx="minor">
+      <a:schemeClr val="tx1"/>
+    </cs:fontRef>
+    <cs:spPr>
+      <a:ln w="9525" cap="flat" cmpd="sng" algn="ctr">
+        <a:solidFill>
+          <a:schemeClr val="tx1">
+            <a:lumMod val="35000"/>
+            <a:lumOff val="65000"/>
+          </a:schemeClr>
+        </a:solidFill>
+        <a:round/>
+      </a:ln>
+    </cs:spPr>
+  </cs:leaderLine>
+  <cs:legend>
+    <cs:lnRef idx="0"/>
+    <cs:fillRef idx="0"/>
+    <cs:effectRef idx="0"/>
+    <cs:fontRef idx="minor">
+      <a:schemeClr val="tx1">
+        <a:lumMod val="65000"/>
+        <a:lumOff val="35000"/>
+      </a:schemeClr>
+    </cs:fontRef>
+    <cs:defRPr sz="1197" kern="1200"/>
+  </cs:legend>
+  <cs:plotArea mods="allowNoFillOverride allowNoLineOverride">
+    <cs:lnRef idx="0"/>
+    <cs:fillRef idx="0"/>
+    <cs:effectRef idx="0"/>
+    <cs:fontRef idx="minor">
+      <a:schemeClr val="tx1"/>
+    </cs:fontRef>
+  </cs:plotArea>
+  <cs:plotArea3D mods="allowNoFillOverride allowNoLineOverride">
+    <cs:lnRef idx="0"/>
+    <cs:fillRef idx="0"/>
+    <cs:effectRef idx="0"/>
+    <cs:fontRef idx="minor">
+      <a:schemeClr val="tx1"/>
+    </cs:fontRef>
+  </cs:plotArea3D>
+  <cs:seriesAxis>
+    <cs:lnRef idx="0"/>
+    <cs:fillRef idx="0"/>
+    <cs:effectRef idx="0"/>
+    <cs:fontRef idx="minor">
+      <a:schemeClr val="tx1">
+        <a:lumMod val="65000"/>
+        <a:lumOff val="35000"/>
+      </a:schemeClr>
+    </cs:fontRef>
+    <cs:defRPr sz="1197" kern="1200"/>
+  </cs:seriesAxis>
+  <cs:seriesLine>
+    <cs:lnRef idx="0"/>
+    <cs:fillRef idx="0"/>
+    <cs:effectRef idx="0"/>
+    <cs:fontRef idx="minor">
+      <a:schemeClr val="tx1"/>
+    </cs:fontRef>
+    <cs:spPr>
+      <a:ln w="9525" cap="flat" cmpd="sng" algn="ctr">
+        <a:solidFill>
+          <a:schemeClr val="tx1">
+            <a:lumMod val="35000"/>
+            <a:lumOff val="65000"/>
+          </a:schemeClr>
+        </a:solidFill>
+        <a:round/>
+      </a:ln>
+    </cs:spPr>
+  </cs:seriesLine>
+  <cs:title>
+    <cs:lnRef idx="0"/>
+    <cs:fillRef idx="0"/>
+    <cs:effectRef idx="0"/>
+    <cs:fontRef idx="minor">
+      <a:schemeClr val="tx1">
+        <a:lumMod val="65000"/>
+        <a:lumOff val="35000"/>
+      </a:schemeClr>
+    </cs:fontRef>
+    <cs:defRPr sz="1862" b="0" kern="1200" spc="0" baseline="0"/>
+  </cs:title>
+  <cs:trendline>
+    <cs:lnRef idx="0">
+      <cs:styleClr val="auto"/>
+    </cs:lnRef>
+    <cs:fillRef idx="0"/>
+    <cs:effectRef idx="0"/>
+    <cs:fontRef idx="minor">
+      <a:schemeClr val="tx1"/>
+    </cs:fontRef>
+    <cs:spPr>
+      <a:ln w="19050" cap="rnd">
+        <a:solidFill>
+          <a:schemeClr val="phClr"/>
+        </a:solidFill>
+        <a:prstDash val="sysDot"/>
+      </a:ln>
+    </cs:spPr>
+  </cs:trendline>
+  <cs:trendlineLabel>
+    <cs:lnRef idx="0"/>
+    <cs:fillRef idx="0"/>
+    <cs:effectRef idx="0"/>
+    <cs:fontRef idx="minor">
+      <a:schemeClr val="tx1">
+        <a:lumMod val="65000"/>
+        <a:lumOff val="35000"/>
+      </a:schemeClr>
+    </cs:fontRef>
+    <cs:defRPr sz="1197" kern="1200"/>
+  </cs:trendlineLabel>
+  <cs:upBar>
+    <cs:lnRef idx="0"/>
+    <cs:fillRef idx="0"/>
+    <cs:effectRef idx="0"/>
+    <cs:fontRef idx="minor">
+      <a:schemeClr val="dk1"/>
+    </cs:fontRef>
+    <cs:spPr>
+      <a:solidFill>
+        <a:schemeClr val="lt1"/>
+      </a:solidFill>
+      <a:ln w="9525">
+        <a:solidFill>
+          <a:schemeClr val="tx1">
+            <a:lumMod val="15000"/>
+            <a:lumOff val="85000"/>
+          </a:schemeClr>
+        </a:solidFill>
+      </a:ln>
+    </cs:spPr>
+  </cs:upBar>
+  <cs:valueAxis>
+    <cs:lnRef idx="0"/>
+    <cs:fillRef idx="0"/>
+    <cs:effectRef idx="0"/>
+    <cs:fontRef idx="minor">
+      <a:schemeClr val="tx1">
+        <a:lumMod val="65000"/>
+        <a:lumOff val="35000"/>
+      </a:schemeClr>
+    </cs:fontRef>
+    <cs:defRPr sz="1197" kern="1200"/>
+  </cs:valueAxis>
+  <cs:wall>
+    <cs:lnRef idx="0"/>
+    <cs:fillRef idx="0"/>
+    <cs:effectRef idx="0"/>
+    <cs:fontRef idx="minor">
+      <a:schemeClr val="tx1"/>
+    </cs:fontRef>
+    <cs:spPr>
+      <a:noFill/>
+      <a:ln>
+        <a:noFill/>
+      </a:ln>
+    </cs:spPr>
+  </cs:wall>
+</cs:chartStyle>
+</file>
+
+<file path=ppt/drawings/drawing1.xml><?xml version="1.0" encoding="utf-8"?>
+<c:userShapes xmlns:c="http://schemas.openxmlformats.org/drawingml/2006/chart">
+  <cdr:relSizeAnchor xmlns:cdr="http://schemas.openxmlformats.org/drawingml/2006/chartDrawing">
+    <cdr:from>
+      <cdr:x>0.2727</cdr:x>
+      <cdr:y>0.46605</cdr:y>
+    </cdr:from>
+    <cdr:to>
+      <cdr:x>0.7273</cdr:x>
+      <cdr:y>0.6142</cdr:y>
+    </cdr:to>
+    <cdr:sp macro="" textlink="">
+      <cdr:nvSpPr>
+        <cdr:cNvPr id="2" name="Metin kutusu 1">
+          <a:extLst xmlns:a="http://schemas.openxmlformats.org/drawingml/2006/main">
+            <a:ext uri="{FF2B5EF4-FFF2-40B4-BE49-F238E27FC236}">
+              <a16:creationId xmlns:a16="http://schemas.microsoft.com/office/drawing/2014/main" id="{4FDC3283-D81A-4095-9402-CCC25245F718}"/>
+            </a:ext>
+          </a:extLst>
+        </cdr:cNvPr>
+        <cdr:cNvSpPr txBox="1"/>
+      </cdr:nvSpPr>
+      <cdr:spPr>
+        <a:xfrm xmlns:a="http://schemas.openxmlformats.org/drawingml/2006/main">
+          <a:off x="2267218" y="3451868"/>
+          <a:ext cx="3779520" cy="1097264"/>
+        </a:xfrm>
+        <a:prstGeom xmlns:a="http://schemas.openxmlformats.org/drawingml/2006/main" prst="rect">
+          <a:avLst/>
+        </a:prstGeom>
+        <a:solidFill xmlns:a="http://schemas.openxmlformats.org/drawingml/2006/main">
+          <a:schemeClr val="bg1"/>
+        </a:solidFill>
+        <a:effectLst xmlns:a="http://schemas.openxmlformats.org/drawingml/2006/main">
+          <a:softEdge rad="127000"/>
+        </a:effectLst>
+      </cdr:spPr>
+      <cdr:txBody>
+        <a:bodyPr xmlns:a="http://schemas.openxmlformats.org/drawingml/2006/main" wrap="square" rtlCol="0"/>
+        <a:lstStyle xmlns:a="http://schemas.openxmlformats.org/drawingml/2006/main">
+          <a:lvl1pPr marL="0" indent="0">
+            <a:defRPr sz="1100">
+              <a:latin typeface="+mn-lt"/>
+              <a:ea typeface="+mn-ea"/>
+              <a:cs typeface="+mn-cs"/>
+            </a:defRPr>
+          </a:lvl1pPr>
+          <a:lvl2pPr marL="457200" indent="0">
+            <a:defRPr sz="1100">
+              <a:latin typeface="+mn-lt"/>
+              <a:ea typeface="+mn-ea"/>
+              <a:cs typeface="+mn-cs"/>
+            </a:defRPr>
+          </a:lvl2pPr>
+          <a:lvl3pPr marL="914400" indent="0">
+            <a:defRPr sz="1100">
+              <a:latin typeface="+mn-lt"/>
+              <a:ea typeface="+mn-ea"/>
+              <a:cs typeface="+mn-cs"/>
+            </a:defRPr>
+          </a:lvl3pPr>
+          <a:lvl4pPr marL="1371600" indent="0">
+            <a:defRPr sz="1100">
+              <a:latin typeface="+mn-lt"/>
+              <a:ea typeface="+mn-ea"/>
+              <a:cs typeface="+mn-cs"/>
+            </a:defRPr>
+          </a:lvl4pPr>
+          <a:lvl5pPr marL="1828800" indent="0">
+            <a:defRPr sz="1100">
+              <a:latin typeface="+mn-lt"/>
+              <a:ea typeface="+mn-ea"/>
+              <a:cs typeface="+mn-cs"/>
+            </a:defRPr>
+          </a:lvl5pPr>
+          <a:lvl6pPr marL="2286000" indent="0">
+            <a:defRPr sz="1100">
+              <a:latin typeface="+mn-lt"/>
+              <a:ea typeface="+mn-ea"/>
+              <a:cs typeface="+mn-cs"/>
+            </a:defRPr>
+          </a:lvl6pPr>
+          <a:lvl7pPr marL="2743200" indent="0">
+            <a:defRPr sz="1100">
+              <a:latin typeface="+mn-lt"/>
+              <a:ea typeface="+mn-ea"/>
+              <a:cs typeface="+mn-cs"/>
+            </a:defRPr>
+          </a:lvl7pPr>
+          <a:lvl8pPr marL="3200400" indent="0">
+            <a:defRPr sz="1100">
+              <a:latin typeface="+mn-lt"/>
+              <a:ea typeface="+mn-ea"/>
+              <a:cs typeface="+mn-cs"/>
+            </a:defRPr>
+          </a:lvl8pPr>
+          <a:lvl9pPr marL="3657600" indent="0">
+            <a:defRPr sz="1100">
+              <a:latin typeface="+mn-lt"/>
+              <a:ea typeface="+mn-ea"/>
+              <a:cs typeface="+mn-cs"/>
+            </a:defRPr>
+          </a:lvl9pPr>
+        </a:lstStyle>
+        <a:p xmlns:a="http://schemas.openxmlformats.org/drawingml/2006/main">
+          <a:pPr algn="ctr"/>
+          <a:br>
+            <a:rPr lang="tr-TR" sz="1200" b="1" dirty="0"/>
+          </a:br>
+          <a:r>
+            <a:rPr lang="tr-TR" sz="4000" b="1" dirty="0"/>
+            <a:t>PLAYABLE ZONE</a:t>
+          </a:r>
+          <a:endParaRPr lang="en-US" sz="4000" b="1" dirty="0"/>
+        </a:p>
+      </cdr:txBody>
+    </cdr:sp>
+  </cdr:relSizeAnchor>
+</c:userShapes>
+</file>
+
+<file path=ppt/drawings/drawing2.xml><?xml version="1.0" encoding="utf-8"?>
+<c:userShapes xmlns:c="http://schemas.openxmlformats.org/drawingml/2006/chart">
+  <cdr:relSizeAnchor xmlns:cdr="http://schemas.openxmlformats.org/drawingml/2006/chartDrawing">
+    <cdr:from>
+      <cdr:x>0.2402</cdr:x>
+      <cdr:y>0.45885</cdr:y>
+    </cdr:from>
+    <cdr:to>
+      <cdr:x>0.6948</cdr:x>
+      <cdr:y>0.607</cdr:y>
+    </cdr:to>
+    <cdr:sp macro="" textlink="">
+      <cdr:nvSpPr>
+        <cdr:cNvPr id="2" name="Metin kutusu 1">
+          <a:extLst xmlns:a="http://schemas.openxmlformats.org/drawingml/2006/main">
+            <a:ext uri="{FF2B5EF4-FFF2-40B4-BE49-F238E27FC236}">
+              <a16:creationId xmlns:a16="http://schemas.microsoft.com/office/drawing/2014/main" id="{3A672511-3043-4126-BDF7-E7EC41AB0A8C}"/>
+            </a:ext>
+          </a:extLst>
+        </cdr:cNvPr>
+        <cdr:cNvSpPr txBox="1"/>
+      </cdr:nvSpPr>
+      <cdr:spPr>
+        <a:xfrm xmlns:a="http://schemas.openxmlformats.org/drawingml/2006/main">
+          <a:off x="1996976" y="3398531"/>
+          <a:ext cx="3779520" cy="1097264"/>
+        </a:xfrm>
+        <a:prstGeom xmlns:a="http://schemas.openxmlformats.org/drawingml/2006/main" prst="rect">
+          <a:avLst/>
+        </a:prstGeom>
+        <a:solidFill xmlns:a="http://schemas.openxmlformats.org/drawingml/2006/main">
+          <a:schemeClr val="bg1"/>
+        </a:solidFill>
+        <a:effectLst xmlns:a="http://schemas.openxmlformats.org/drawingml/2006/main">
+          <a:softEdge rad="127000"/>
+        </a:effectLst>
+      </cdr:spPr>
+      <cdr:txBody>
+        <a:bodyPr xmlns:a="http://schemas.openxmlformats.org/drawingml/2006/main" vertOverflow="clip" wrap="square" rtlCol="0"/>
+        <a:lstStyle xmlns:a="http://schemas.openxmlformats.org/drawingml/2006/main"/>
+        <a:p xmlns:a="http://schemas.openxmlformats.org/drawingml/2006/main">
+          <a:pPr algn="ctr"/>
+          <a:br>
+            <a:rPr lang="tr-TR" sz="1200" b="1" dirty="0"/>
+          </a:br>
+          <a:r>
+            <a:rPr lang="tr-TR" sz="4000" b="1" dirty="0"/>
+            <a:t>PLAYABLE ZONE</a:t>
+          </a:r>
+          <a:endParaRPr lang="en-US" sz="4000" b="1" dirty="0"/>
+        </a:p>
+      </cdr:txBody>
+    </cdr:sp>
+  </cdr:relSizeAnchor>
+</c:userShapes>
 </file>
 
 <file path=ppt/slideLayouts/slideLayout1.xml><?xml version="1.0" encoding="utf-8"?>
@@ -239,7 +2421,7 @@
           <a:p>
             <a:fld id="{857D8D4C-43BF-4B62-924F-D1B0D1CB64FB}" type="datetimeFigureOut">
               <a:rPr lang="en-US" smtClean="0"/>
-              <a:t>5/11/2019</a:t>
+              <a:t>5/13/2019</a:t>
             </a:fld>
             <a:endParaRPr lang="en-US"/>
           </a:p>
@@ -409,7 +2591,7 @@
           <a:p>
             <a:fld id="{857D8D4C-43BF-4B62-924F-D1B0D1CB64FB}" type="datetimeFigureOut">
               <a:rPr lang="en-US" smtClean="0"/>
-              <a:t>5/11/2019</a:t>
+              <a:t>5/13/2019</a:t>
             </a:fld>
             <a:endParaRPr lang="en-US"/>
           </a:p>
@@ -589,7 +2771,7 @@
           <a:p>
             <a:fld id="{857D8D4C-43BF-4B62-924F-D1B0D1CB64FB}" type="datetimeFigureOut">
               <a:rPr lang="en-US" smtClean="0"/>
-              <a:t>5/11/2019</a:t>
+              <a:t>5/13/2019</a:t>
             </a:fld>
             <a:endParaRPr lang="en-US"/>
           </a:p>
@@ -759,7 +2941,7 @@
           <a:p>
             <a:fld id="{857D8D4C-43BF-4B62-924F-D1B0D1CB64FB}" type="datetimeFigureOut">
               <a:rPr lang="en-US" smtClean="0"/>
-              <a:t>5/11/2019</a:t>
+              <a:t>5/13/2019</a:t>
             </a:fld>
             <a:endParaRPr lang="en-US"/>
           </a:p>
@@ -1003,7 +3185,7 @@
           <a:p>
             <a:fld id="{857D8D4C-43BF-4B62-924F-D1B0D1CB64FB}" type="datetimeFigureOut">
               <a:rPr lang="en-US" smtClean="0"/>
-              <a:t>5/11/2019</a:t>
+              <a:t>5/13/2019</a:t>
             </a:fld>
             <a:endParaRPr lang="en-US"/>
           </a:p>
@@ -1235,7 +3417,7 @@
           <a:p>
             <a:fld id="{857D8D4C-43BF-4B62-924F-D1B0D1CB64FB}" type="datetimeFigureOut">
               <a:rPr lang="en-US" smtClean="0"/>
-              <a:t>5/11/2019</a:t>
+              <a:t>5/13/2019</a:t>
             </a:fld>
             <a:endParaRPr lang="en-US"/>
           </a:p>
@@ -1602,7 +3784,7 @@
           <a:p>
             <a:fld id="{857D8D4C-43BF-4B62-924F-D1B0D1CB64FB}" type="datetimeFigureOut">
               <a:rPr lang="en-US" smtClean="0"/>
-              <a:t>5/11/2019</a:t>
+              <a:t>5/13/2019</a:t>
             </a:fld>
             <a:endParaRPr lang="en-US"/>
           </a:p>
@@ -1720,7 +3902,7 @@
           <a:p>
             <a:fld id="{857D8D4C-43BF-4B62-924F-D1B0D1CB64FB}" type="datetimeFigureOut">
               <a:rPr lang="en-US" smtClean="0"/>
-              <a:t>5/11/2019</a:t>
+              <a:t>5/13/2019</a:t>
             </a:fld>
             <a:endParaRPr lang="en-US"/>
           </a:p>
@@ -1815,7 +3997,7 @@
           <a:p>
             <a:fld id="{857D8D4C-43BF-4B62-924F-D1B0D1CB64FB}" type="datetimeFigureOut">
               <a:rPr lang="en-US" smtClean="0"/>
-              <a:t>5/11/2019</a:t>
+              <a:t>5/13/2019</a:t>
             </a:fld>
             <a:endParaRPr lang="en-US"/>
           </a:p>
@@ -2092,7 +4274,7 @@
           <a:p>
             <a:fld id="{857D8D4C-43BF-4B62-924F-D1B0D1CB64FB}" type="datetimeFigureOut">
               <a:rPr lang="en-US" smtClean="0"/>
-              <a:t>5/11/2019</a:t>
+              <a:t>5/13/2019</a:t>
             </a:fld>
             <a:endParaRPr lang="en-US"/>
           </a:p>
@@ -2349,7 +4531,7 @@
           <a:p>
             <a:fld id="{857D8D4C-43BF-4B62-924F-D1B0D1CB64FB}" type="datetimeFigureOut">
               <a:rPr lang="en-US" smtClean="0"/>
-              <a:t>5/11/2019</a:t>
+              <a:t>5/13/2019</a:t>
             </a:fld>
             <a:endParaRPr lang="en-US"/>
           </a:p>
@@ -2562,7 +4744,7 @@
           <a:p>
             <a:fld id="{857D8D4C-43BF-4B62-924F-D1B0D1CB64FB}" type="datetimeFigureOut">
               <a:rPr lang="en-US" smtClean="0"/>
-              <a:t>5/11/2019</a:t>
+              <a:t>5/13/2019</a:t>
             </a:fld>
             <a:endParaRPr lang="en-US"/>
           </a:p>
@@ -9904,6 +12086,448 @@
 </p:sld>
 </file>
 
+<file path=ppt/slides/slide3.xml><?xml version="1.0" encoding="utf-8"?>
+<p:sld xmlns:a="http://schemas.openxmlformats.org/drawingml/2006/main" xmlns:r="http://schemas.openxmlformats.org/officeDocument/2006/relationships" xmlns:p="http://schemas.openxmlformats.org/presentationml/2006/main">
+  <p:cSld>
+    <p:spTree>
+      <p:nvGrpSpPr>
+        <p:cNvPr id="1" name=""/>
+        <p:cNvGrpSpPr/>
+        <p:nvPr/>
+      </p:nvGrpSpPr>
+      <p:grpSpPr>
+        <a:xfrm>
+          <a:off x="0" y="0"/>
+          <a:ext cx="0" cy="0"/>
+          <a:chOff x="0" y="0"/>
+          <a:chExt cx="0" cy="0"/>
+        </a:xfrm>
+      </p:grpSpPr>
+      <p:sp>
+        <p:nvSpPr>
+          <p:cNvPr id="2" name="Unvan 1">
+            <a:extLst>
+              <a:ext uri="{FF2B5EF4-FFF2-40B4-BE49-F238E27FC236}">
+                <a16:creationId xmlns:a16="http://schemas.microsoft.com/office/drawing/2014/main" id="{8D12BD47-0204-4646-997A-49ED49CA6EF4}"/>
+              </a:ext>
+            </a:extLst>
+          </p:cNvPr>
+          <p:cNvSpPr>
+            <a:spLocks noGrp="1"/>
+          </p:cNvSpPr>
+          <p:nvPr>
+            <p:ph type="title"/>
+          </p:nvPr>
+        </p:nvSpPr>
+        <p:spPr/>
+        <p:txBody>
+          <a:bodyPr/>
+          <a:lstStyle/>
+          <a:p>
+            <a:endParaRPr lang="en-US"/>
+          </a:p>
+        </p:txBody>
+      </p:sp>
+      <p:sp>
+        <p:nvSpPr>
+          <p:cNvPr id="3" name="İçerik Yer Tutucusu 2">
+            <a:extLst>
+              <a:ext uri="{FF2B5EF4-FFF2-40B4-BE49-F238E27FC236}">
+                <a16:creationId xmlns:a16="http://schemas.microsoft.com/office/drawing/2014/main" id="{39D80F7B-907F-4723-B42C-E48001E7B1D7}"/>
+              </a:ext>
+            </a:extLst>
+          </p:cNvPr>
+          <p:cNvSpPr>
+            <a:spLocks noGrp="1"/>
+          </p:cNvSpPr>
+          <p:nvPr>
+            <p:ph idx="1"/>
+          </p:nvPr>
+        </p:nvSpPr>
+        <p:spPr/>
+        <p:txBody>
+          <a:bodyPr/>
+          <a:lstStyle/>
+          <a:p>
+            <a:endParaRPr lang="en-US"/>
+          </a:p>
+        </p:txBody>
+      </p:sp>
+      <p:sp>
+        <p:nvSpPr>
+          <p:cNvPr id="4" name="Dikdörtgen 3">
+            <a:extLst>
+              <a:ext uri="{FF2B5EF4-FFF2-40B4-BE49-F238E27FC236}">
+                <a16:creationId xmlns:a16="http://schemas.microsoft.com/office/drawing/2014/main" id="{A35763EF-C6C1-4F9E-9898-9B15D34BF887}"/>
+              </a:ext>
+            </a:extLst>
+          </p:cNvPr>
+          <p:cNvSpPr/>
+          <p:nvPr/>
+        </p:nvSpPr>
+        <p:spPr>
+          <a:xfrm>
+            <a:off x="12482636" y="14203679"/>
+            <a:ext cx="5349229" cy="6294121"/>
+          </a:xfrm>
+          <a:prstGeom prst="rect">
+            <a:avLst/>
+          </a:prstGeom>
+          <a:pattFill prst="pct20">
+            <a:fgClr>
+              <a:srgbClr val="00B050"/>
+            </a:fgClr>
+            <a:bgClr>
+              <a:schemeClr val="bg1"/>
+            </a:bgClr>
+          </a:pattFill>
+          <a:ln>
+            <a:noFill/>
+          </a:ln>
+        </p:spPr>
+        <p:style>
+          <a:lnRef idx="2">
+            <a:schemeClr val="accent1">
+              <a:shade val="50000"/>
+            </a:schemeClr>
+          </a:lnRef>
+          <a:fillRef idx="1">
+            <a:schemeClr val="accent1"/>
+          </a:fillRef>
+          <a:effectRef idx="0">
+            <a:schemeClr val="accent1"/>
+          </a:effectRef>
+          <a:fontRef idx="minor">
+            <a:schemeClr val="lt1"/>
+          </a:fontRef>
+        </p:style>
+        <p:txBody>
+          <a:bodyPr rtlCol="0" anchor="ctr"/>
+          <a:lstStyle/>
+          <a:p>
+            <a:pPr algn="ctr"/>
+            <a:endParaRPr lang="en-US"/>
+          </a:p>
+        </p:txBody>
+      </p:sp>
+      <p:graphicFrame>
+        <p:nvGraphicFramePr>
+          <p:cNvPr id="5" name="İçerik Yer Tutucusu 7">
+            <a:extLst>
+              <a:ext uri="{FF2B5EF4-FFF2-40B4-BE49-F238E27FC236}">
+                <a16:creationId xmlns:a16="http://schemas.microsoft.com/office/drawing/2014/main" id="{BB6B3A5B-78A2-4B22-A254-B12ACD8BB675}"/>
+              </a:ext>
+            </a:extLst>
+          </p:cNvPr>
+          <p:cNvGraphicFramePr>
+            <a:graphicFrameLocks/>
+          </p:cNvGraphicFramePr>
+          <p:nvPr>
+            <p:extLst>
+              <p:ext uri="{D42A27DB-BD31-4B8C-83A1-F6EECF244321}">
+                <p14:modId xmlns:p14="http://schemas.microsoft.com/office/powerpoint/2010/main" val="3050515419"/>
+              </p:ext>
+            </p:extLst>
+          </p:nvPr>
+        </p:nvGraphicFramePr>
+        <p:xfrm>
+          <a:off x="11000272" y="14081760"/>
+          <a:ext cx="8313956" cy="7406640"/>
+        </p:xfrm>
+        <a:graphic>
+          <a:graphicData uri="http://schemas.openxmlformats.org/drawingml/2006/chart">
+            <c:chart xmlns:c="http://schemas.openxmlformats.org/drawingml/2006/chart" xmlns:r="http://schemas.openxmlformats.org/officeDocument/2006/relationships" r:id="rId2"/>
+          </a:graphicData>
+        </a:graphic>
+      </p:graphicFrame>
+      <p:sp>
+        <p:nvSpPr>
+          <p:cNvPr id="6" name="Dikdörtgen 5">
+            <a:extLst>
+              <a:ext uri="{FF2B5EF4-FFF2-40B4-BE49-F238E27FC236}">
+                <a16:creationId xmlns:a16="http://schemas.microsoft.com/office/drawing/2014/main" id="{9AE7DAD7-BA4A-484E-BD8B-37F8A4ADE7DB}"/>
+              </a:ext>
+            </a:extLst>
+          </p:cNvPr>
+          <p:cNvSpPr/>
+          <p:nvPr/>
+        </p:nvSpPr>
+        <p:spPr>
+          <a:xfrm>
+            <a:off x="2910844" y="14188439"/>
+            <a:ext cx="5074899" cy="6294121"/>
+          </a:xfrm>
+          <a:prstGeom prst="rect">
+            <a:avLst/>
+          </a:prstGeom>
+          <a:pattFill prst="pct20">
+            <a:fgClr>
+              <a:srgbClr val="00B050"/>
+            </a:fgClr>
+            <a:bgClr>
+              <a:schemeClr val="bg1"/>
+            </a:bgClr>
+          </a:pattFill>
+          <a:ln>
+            <a:noFill/>
+          </a:ln>
+        </p:spPr>
+        <p:style>
+          <a:lnRef idx="2">
+            <a:schemeClr val="accent1">
+              <a:shade val="50000"/>
+            </a:schemeClr>
+          </a:lnRef>
+          <a:fillRef idx="1">
+            <a:schemeClr val="accent1"/>
+          </a:fillRef>
+          <a:effectRef idx="0">
+            <a:schemeClr val="accent1"/>
+          </a:effectRef>
+          <a:fontRef idx="minor">
+            <a:schemeClr val="lt1"/>
+          </a:fontRef>
+        </p:style>
+        <p:txBody>
+          <a:bodyPr rtlCol="0" anchor="ctr"/>
+          <a:lstStyle/>
+          <a:p>
+            <a:pPr algn="ctr"/>
+            <a:endParaRPr lang="en-US"/>
+          </a:p>
+        </p:txBody>
+      </p:sp>
+      <p:graphicFrame>
+        <p:nvGraphicFramePr>
+          <p:cNvPr id="7" name="İçerik Yer Tutucusu 7">
+            <a:extLst>
+              <a:ext uri="{FF2B5EF4-FFF2-40B4-BE49-F238E27FC236}">
+                <a16:creationId xmlns:a16="http://schemas.microsoft.com/office/drawing/2014/main" id="{7589121F-BD33-4AF1-9391-156423FFEDB7}"/>
+              </a:ext>
+            </a:extLst>
+          </p:cNvPr>
+          <p:cNvGraphicFramePr>
+            <a:graphicFrameLocks/>
+          </p:cNvGraphicFramePr>
+          <p:nvPr>
+            <p:extLst>
+              <p:ext uri="{D42A27DB-BD31-4B8C-83A1-F6EECF244321}">
+                <p14:modId xmlns:p14="http://schemas.microsoft.com/office/powerpoint/2010/main" val="892088843"/>
+              </p:ext>
+            </p:extLst>
+          </p:nvPr>
+        </p:nvGraphicFramePr>
+        <p:xfrm>
+          <a:off x="1470124" y="14081760"/>
+          <a:ext cx="8313956" cy="7406640"/>
+        </p:xfrm>
+        <a:graphic>
+          <a:graphicData uri="http://schemas.openxmlformats.org/drawingml/2006/chart">
+            <c:chart xmlns:c="http://schemas.openxmlformats.org/drawingml/2006/chart" xmlns:r="http://schemas.openxmlformats.org/officeDocument/2006/relationships" r:id="rId3"/>
+          </a:graphicData>
+        </a:graphic>
+      </p:graphicFrame>
+      <p:cxnSp>
+        <p:nvCxnSpPr>
+          <p:cNvPr id="8" name="Düz Bağlayıcı 7">
+            <a:extLst>
+              <a:ext uri="{FF2B5EF4-FFF2-40B4-BE49-F238E27FC236}">
+                <a16:creationId xmlns:a16="http://schemas.microsoft.com/office/drawing/2014/main" id="{71857DEF-0FF8-4A2D-A525-26A48180E04E}"/>
+              </a:ext>
+            </a:extLst>
+          </p:cNvPr>
+          <p:cNvCxnSpPr>
+            <a:cxnSpLocks/>
+          </p:cNvCxnSpPr>
+          <p:nvPr/>
+        </p:nvCxnSpPr>
+        <p:spPr>
+          <a:xfrm flipV="1">
+            <a:off x="7985760" y="15681960"/>
+            <a:ext cx="0" cy="4800600"/>
+          </a:xfrm>
+          <a:prstGeom prst="line">
+            <a:avLst/>
+          </a:prstGeom>
+          <a:ln w="50800" cap="flat" cmpd="sng" algn="ctr">
+            <a:solidFill>
+              <a:schemeClr val="dk1"/>
+            </a:solidFill>
+            <a:prstDash val="dash"/>
+            <a:round/>
+            <a:headEnd type="none" w="med" len="med"/>
+            <a:tailEnd type="none" w="med" len="med"/>
+          </a:ln>
+        </p:spPr>
+        <p:style>
+          <a:lnRef idx="0">
+            <a:scrgbClr r="0" g="0" b="0"/>
+          </a:lnRef>
+          <a:fillRef idx="0">
+            <a:scrgbClr r="0" g="0" b="0"/>
+          </a:fillRef>
+          <a:effectRef idx="0">
+            <a:scrgbClr r="0" g="0" b="0"/>
+          </a:effectRef>
+          <a:fontRef idx="minor">
+            <a:schemeClr val="tx1"/>
+          </a:fontRef>
+        </p:style>
+      </p:cxnSp>
+      <p:cxnSp>
+        <p:nvCxnSpPr>
+          <p:cNvPr id="9" name="Düz Bağlayıcı 8">
+            <a:extLst>
+              <a:ext uri="{FF2B5EF4-FFF2-40B4-BE49-F238E27FC236}">
+                <a16:creationId xmlns:a16="http://schemas.microsoft.com/office/drawing/2014/main" id="{2A8A5501-7715-4938-935F-5C0C816A9F0E}"/>
+              </a:ext>
+            </a:extLst>
+          </p:cNvPr>
+          <p:cNvCxnSpPr>
+            <a:cxnSpLocks/>
+          </p:cNvCxnSpPr>
+          <p:nvPr/>
+        </p:nvCxnSpPr>
+        <p:spPr>
+          <a:xfrm flipH="1">
+            <a:off x="2727960" y="15681960"/>
+            <a:ext cx="5257800" cy="0"/>
+          </a:xfrm>
+          <a:prstGeom prst="line">
+            <a:avLst/>
+          </a:prstGeom>
+          <a:ln w="50800" cap="flat" cmpd="sng" algn="ctr">
+            <a:solidFill>
+              <a:schemeClr val="dk1"/>
+            </a:solidFill>
+            <a:prstDash val="dash"/>
+            <a:round/>
+            <a:headEnd type="none" w="med" len="med"/>
+            <a:tailEnd type="none" w="med" len="med"/>
+          </a:ln>
+        </p:spPr>
+        <p:style>
+          <a:lnRef idx="0">
+            <a:scrgbClr r="0" g="0" b="0"/>
+          </a:lnRef>
+          <a:fillRef idx="0">
+            <a:scrgbClr r="0" g="0" b="0"/>
+          </a:fillRef>
+          <a:effectRef idx="0">
+            <a:scrgbClr r="0" g="0" b="0"/>
+          </a:effectRef>
+          <a:fontRef idx="minor">
+            <a:schemeClr val="tx1"/>
+          </a:fontRef>
+        </p:style>
+      </p:cxnSp>
+      <p:cxnSp>
+        <p:nvCxnSpPr>
+          <p:cNvPr id="10" name="Düz Bağlayıcı 9">
+            <a:extLst>
+              <a:ext uri="{FF2B5EF4-FFF2-40B4-BE49-F238E27FC236}">
+                <a16:creationId xmlns:a16="http://schemas.microsoft.com/office/drawing/2014/main" id="{E453837F-482D-4F4B-9435-6DC96B617B65}"/>
+              </a:ext>
+            </a:extLst>
+          </p:cNvPr>
+          <p:cNvCxnSpPr>
+            <a:cxnSpLocks/>
+          </p:cNvCxnSpPr>
+          <p:nvPr/>
+        </p:nvCxnSpPr>
+        <p:spPr>
+          <a:xfrm flipV="1">
+            <a:off x="17831872" y="15712440"/>
+            <a:ext cx="0" cy="4815840"/>
+          </a:xfrm>
+          <a:prstGeom prst="line">
+            <a:avLst/>
+          </a:prstGeom>
+          <a:ln w="50800" cap="flat" cmpd="sng" algn="ctr">
+            <a:solidFill>
+              <a:schemeClr val="dk1"/>
+            </a:solidFill>
+            <a:prstDash val="dash"/>
+            <a:round/>
+            <a:headEnd type="none" w="med" len="med"/>
+            <a:tailEnd type="none" w="med" len="med"/>
+          </a:ln>
+        </p:spPr>
+        <p:style>
+          <a:lnRef idx="0">
+            <a:scrgbClr r="0" g="0" b="0"/>
+          </a:lnRef>
+          <a:fillRef idx="0">
+            <a:scrgbClr r="0" g="0" b="0"/>
+          </a:fillRef>
+          <a:effectRef idx="0">
+            <a:scrgbClr r="0" g="0" b="0"/>
+          </a:effectRef>
+          <a:fontRef idx="minor">
+            <a:schemeClr val="tx1"/>
+          </a:fontRef>
+        </p:style>
+      </p:cxnSp>
+      <p:cxnSp>
+        <p:nvCxnSpPr>
+          <p:cNvPr id="11" name="Düz Bağlayıcı 10">
+            <a:extLst>
+              <a:ext uri="{FF2B5EF4-FFF2-40B4-BE49-F238E27FC236}">
+                <a16:creationId xmlns:a16="http://schemas.microsoft.com/office/drawing/2014/main" id="{F739CAFE-FB43-4164-8438-6DB92292F7E0}"/>
+              </a:ext>
+            </a:extLst>
+          </p:cNvPr>
+          <p:cNvCxnSpPr>
+            <a:cxnSpLocks/>
+          </p:cNvCxnSpPr>
+          <p:nvPr/>
+        </p:nvCxnSpPr>
+        <p:spPr>
+          <a:xfrm flipH="1">
+            <a:off x="12482636" y="15697200"/>
+            <a:ext cx="5349236" cy="0"/>
+          </a:xfrm>
+          <a:prstGeom prst="line">
+            <a:avLst/>
+          </a:prstGeom>
+          <a:ln w="50800" cap="flat" cmpd="sng" algn="ctr">
+            <a:solidFill>
+              <a:schemeClr val="dk1"/>
+            </a:solidFill>
+            <a:prstDash val="dash"/>
+            <a:round/>
+            <a:headEnd type="none" w="med" len="med"/>
+            <a:tailEnd type="none" w="med" len="med"/>
+          </a:ln>
+        </p:spPr>
+        <p:style>
+          <a:lnRef idx="0">
+            <a:scrgbClr r="0" g="0" b="0"/>
+          </a:lnRef>
+          <a:fillRef idx="0">
+            <a:scrgbClr r="0" g="0" b="0"/>
+          </a:fillRef>
+          <a:effectRef idx="0">
+            <a:scrgbClr r="0" g="0" b="0"/>
+          </a:effectRef>
+          <a:fontRef idx="minor">
+            <a:schemeClr val="tx1"/>
+          </a:fontRef>
+        </p:style>
+      </p:cxnSp>
+    </p:spTree>
+    <p:extLst>
+      <p:ext uri="{BB962C8B-B14F-4D97-AF65-F5344CB8AC3E}">
+        <p14:creationId xmlns:p14="http://schemas.microsoft.com/office/powerpoint/2010/main" val="2779951828"/>
+      </p:ext>
+    </p:extLst>
+  </p:cSld>
+  <p:clrMapOvr>
+    <a:masterClrMapping/>
+  </p:clrMapOvr>
+</p:sld>
+</file>
+
 <file path=ppt/theme/theme1.xml><?xml version="1.0" encoding="utf-8"?>
 <a:theme xmlns:a="http://schemas.openxmlformats.org/drawingml/2006/main" name="Office Teması">
   <a:themeElements>

--- a/Poster/poster_aycan.pptx
+++ b/Poster/poster_aycan.pptx
@@ -135,10 +135,10 @@
           <c:layoutTarget val="inner"/>
           <c:xMode val="edge"/>
           <c:yMode val="edge"/>
-          <c:x val="0.12692970710934726"/>
+          <c:x val="0.14067767498408704"/>
           <c:y val="4.1952356264108967E-2"/>
-          <c:w val="0.87307029289065274"/>
-          <c:h val="0.82518280893900608"/>
+          <c:w val="0.8593223129911356"/>
+          <c:h val="0.76171859129063979"/>
         </c:manualLayout>
       </c:layout>
       <c:lineChart>
@@ -172,38 +172,41 @@
           </c:marker>
           <c:cat>
             <c:numRef>
-              <c:f>Sayfa1!$A$2:$A$11</c:f>
+              <c:f>Sayfa1!$A$2:$A$12</c:f>
               <c:numCache>
                 <c:formatCode>General</c:formatCode>
-                <c:ptCount val="10"/>
+                <c:ptCount val="11"/>
                 <c:pt idx="0">
+                  <c:v>0</c:v>
+                </c:pt>
+                <c:pt idx="1">
                   <c:v>5</c:v>
                 </c:pt>
-                <c:pt idx="1">
+                <c:pt idx="2">
                   <c:v>10</c:v>
                 </c:pt>
-                <c:pt idx="2">
+                <c:pt idx="3">
                   <c:v>15</c:v>
                 </c:pt>
-                <c:pt idx="3">
+                <c:pt idx="4">
                   <c:v>20</c:v>
                 </c:pt>
-                <c:pt idx="4">
+                <c:pt idx="5">
                   <c:v>25</c:v>
                 </c:pt>
-                <c:pt idx="5">
+                <c:pt idx="6">
                   <c:v>30</c:v>
                 </c:pt>
-                <c:pt idx="6">
+                <c:pt idx="7">
                   <c:v>35</c:v>
                 </c:pt>
-                <c:pt idx="7">
+                <c:pt idx="8">
                   <c:v>40</c:v>
                 </c:pt>
-                <c:pt idx="8">
+                <c:pt idx="9">
                   <c:v>45</c:v>
                 </c:pt>
-                <c:pt idx="9">
+                <c:pt idx="10">
                   <c:v>50</c:v>
                 </c:pt>
               </c:numCache>
@@ -211,38 +214,41 @@
           </c:cat>
           <c:val>
             <c:numRef>
-              <c:f>Sayfa1!$B$2:$B$11</c:f>
+              <c:f>Sayfa1!$B$2:$B$12</c:f>
               <c:numCache>
                 <c:formatCode>General</c:formatCode>
-                <c:ptCount val="10"/>
+                <c:ptCount val="11"/>
                 <c:pt idx="0">
                   <c:v>98</c:v>
                 </c:pt>
                 <c:pt idx="1">
+                  <c:v>98</c:v>
+                </c:pt>
+                <c:pt idx="2">
                   <c:v>99</c:v>
                 </c:pt>
-                <c:pt idx="2">
+                <c:pt idx="3">
                   <c:v>98</c:v>
                 </c:pt>
-                <c:pt idx="3">
+                <c:pt idx="4">
                   <c:v>99</c:v>
                 </c:pt>
-                <c:pt idx="4">
+                <c:pt idx="5">
                   <c:v>97</c:v>
                 </c:pt>
-                <c:pt idx="5">
+                <c:pt idx="6">
                   <c:v>95</c:v>
                 </c:pt>
-                <c:pt idx="6">
+                <c:pt idx="7">
                   <c:v>92</c:v>
                 </c:pt>
-                <c:pt idx="7">
+                <c:pt idx="8">
                   <c:v>86</c:v>
                 </c:pt>
-                <c:pt idx="8">
+                <c:pt idx="9">
                   <c:v>65</c:v>
                 </c:pt>
-                <c:pt idx="9">
+                <c:pt idx="10">
                   <c:v>42</c:v>
                 </c:pt>
               </c:numCache>
@@ -281,7 +287,7 @@
               <a:lstStyle/>
               <a:p>
                 <a:pPr>
-                  <a:defRPr sz="2400" b="0" i="0" u="none" strike="noStrike" kern="1200" baseline="0">
+                  <a:defRPr sz="2000" b="1" i="0" u="none" strike="noStrike" kern="1200" baseline="0">
                     <a:solidFill>
                       <a:schemeClr val="tx1">
                         <a:lumMod val="65000"/>
@@ -294,14 +300,14 @@
                   </a:defRPr>
                 </a:pPr>
                 <a:r>
-                  <a:rPr lang="tr-TR" sz="2400" dirty="0" err="1"/>
+                  <a:rPr lang="tr-TR" sz="2000" b="1" dirty="0" err="1"/>
                   <a:t>Distance</a:t>
                 </a:r>
                 <a:r>
-                  <a:rPr lang="tr-TR" sz="2400" dirty="0"/>
+                  <a:rPr lang="tr-TR" sz="2000" b="1" dirty="0"/>
                   <a:t> (m)</a:t>
                 </a:r>
-                <a:endParaRPr lang="en-US" sz="2400" dirty="0"/>
+                <a:endParaRPr lang="en-US" sz="2000" b="1" dirty="0"/>
               </a:p>
             </c:rich>
           </c:tx>
@@ -326,7 +332,7 @@
             <a:lstStyle/>
             <a:p>
               <a:pPr>
-                <a:defRPr sz="2400" b="0" i="0" u="none" strike="noStrike" kern="1200" baseline="0">
+                <a:defRPr sz="2000" b="1" i="0" u="none" strike="noStrike" kern="1200" baseline="0">
                   <a:solidFill>
                     <a:schemeClr val="tx1">
                       <a:lumMod val="65000"/>
@@ -364,7 +370,7 @@
           <a:lstStyle/>
           <a:p>
             <a:pPr>
-              <a:defRPr sz="2400" b="0" i="0" u="none" strike="noStrike" kern="1200" baseline="0">
+              <a:defRPr sz="2000" b="0" i="0" u="none" strike="noStrike" kern="1200" baseline="0">
                 <a:solidFill>
                   <a:schemeClr val="tx1">
                     <a:lumMod val="65000"/>
@@ -401,7 +407,7 @@
               <a:lstStyle/>
               <a:p>
                 <a:pPr>
-                  <a:defRPr sz="2400" b="0" i="0" u="none" strike="noStrike" kern="1200" baseline="0">
+                  <a:defRPr sz="2000" b="1" i="0" u="none" strike="noStrike" kern="1200" baseline="0">
                     <a:solidFill>
                       <a:schemeClr val="tx1">
                         <a:lumMod val="65000"/>
@@ -414,42 +420,36 @@
                   </a:defRPr>
                 </a:pPr>
                 <a:r>
-                  <a:rPr lang="tr-TR" sz="2400" b="0" i="0" u="none" strike="noStrike" baseline="0" dirty="0">
+                  <a:rPr lang="tr-TR" sz="2000" b="1" i="0" u="none" strike="noStrike" baseline="0" dirty="0">
                     <a:effectLst/>
                   </a:rPr>
                   <a:t> </a:t>
                 </a:r>
                 <a:r>
-                  <a:rPr lang="tr-TR" sz="2400" b="0" i="0" u="none" strike="noStrike" baseline="0" dirty="0" err="1">
+                  <a:rPr lang="tr-TR" sz="2000" b="1" i="0" u="none" strike="noStrike" baseline="0" dirty="0" err="1">
                     <a:effectLst/>
                   </a:rPr>
                   <a:t>Received</a:t>
                 </a:r>
                 <a:r>
-                  <a:rPr lang="tr-TR" sz="2400" b="0" i="0" u="none" strike="noStrike" baseline="0" dirty="0">
+                  <a:rPr lang="tr-TR" sz="2000" b="1" i="0" u="none" strike="noStrike" baseline="0" dirty="0">
                     <a:effectLst/>
                   </a:rPr>
+                  <a:t> Data</a:t>
+                </a:r>
+                <a:r>
+                  <a:rPr lang="tr-TR" sz="2000" b="1" dirty="0"/>
                   <a:t> </a:t>
                 </a:r>
                 <a:r>
-                  <a:rPr lang="tr-TR" sz="2400" b="0" i="0" u="none" strike="noStrike" baseline="0" dirty="0" err="1">
-                    <a:effectLst/>
-                  </a:rPr>
-                  <a:t>Command</a:t>
-                </a:r>
-                <a:r>
-                  <a:rPr lang="tr-TR" sz="2400" dirty="0"/>
-                  <a:t> </a:t>
-                </a:r>
-                <a:r>
-                  <a:rPr lang="tr-TR" sz="2400" dirty="0" err="1"/>
+                  <a:rPr lang="tr-TR" sz="2000" b="1" dirty="0" err="1"/>
                   <a:t>Percentage</a:t>
                 </a:r>
                 <a:r>
-                  <a:rPr lang="tr-TR" sz="2400" dirty="0"/>
+                  <a:rPr lang="tr-TR" sz="2000" b="1" dirty="0"/>
                   <a:t> (%)</a:t>
                 </a:r>
-                <a:endParaRPr lang="en-US" sz="2400" dirty="0"/>
+                <a:endParaRPr lang="en-US" sz="2000" b="1" dirty="0"/>
               </a:p>
             </c:rich>
           </c:tx>
@@ -466,7 +466,7 @@
             <a:lstStyle/>
             <a:p>
               <a:pPr>
-                <a:defRPr sz="2400" b="0" i="0" u="none" strike="noStrike" kern="1200" baseline="0">
+                <a:defRPr sz="2000" b="1" i="0" u="none" strike="noStrike" kern="1200" baseline="0">
                   <a:solidFill>
                     <a:schemeClr val="tx1">
                       <a:lumMod val="65000"/>
@@ -498,7 +498,7 @@
           <a:lstStyle/>
           <a:p>
             <a:pPr>
-              <a:defRPr sz="2400" b="0" i="0" u="none" strike="noStrike" kern="1200" baseline="0">
+              <a:defRPr sz="2000" b="0" i="0" u="none" strike="noStrike" kern="1200" baseline="0">
                 <a:solidFill>
                   <a:schemeClr val="tx1">
                     <a:lumMod val="65000"/>
@@ -556,7 +556,6 @@
   <c:externalData r:id="rId3">
     <c:autoUpdate val="0"/>
   </c:externalData>
-  <c:userShapes r:id="rId4"/>
 </c:chartSpace>
 </file>
 
@@ -581,10 +580,10 @@
           <c:layoutTarget val="inner"/>
           <c:xMode val="edge"/>
           <c:yMode val="edge"/>
-          <c:x val="0.12692970710934726"/>
+          <c:x val="0.15108235088965596"/>
           <c:y val="4.1952356264108967E-2"/>
-          <c:w val="0.87307029289065274"/>
-          <c:h val="0.82518280893900608"/>
+          <c:w val="0.84891764911034406"/>
+          <c:h val="0.75018285214348202"/>
         </c:manualLayout>
       </c:layout>
       <c:lineChart>
@@ -618,38 +617,41 @@
           </c:marker>
           <c:cat>
             <c:numRef>
-              <c:f>Sayfa1!$A$2:$A$11</c:f>
+              <c:f>Sayfa1!$A$2:$A$12</c:f>
               <c:numCache>
                 <c:formatCode>General</c:formatCode>
-                <c:ptCount val="10"/>
+                <c:ptCount val="11"/>
                 <c:pt idx="0">
+                  <c:v>0</c:v>
+                </c:pt>
+                <c:pt idx="1">
                   <c:v>5</c:v>
                 </c:pt>
-                <c:pt idx="1">
+                <c:pt idx="2">
                   <c:v>10</c:v>
                 </c:pt>
-                <c:pt idx="2">
+                <c:pt idx="3">
                   <c:v>15</c:v>
                 </c:pt>
-                <c:pt idx="3">
+                <c:pt idx="4">
                   <c:v>20</c:v>
                 </c:pt>
-                <c:pt idx="4">
+                <c:pt idx="5">
                   <c:v>25</c:v>
                 </c:pt>
-                <c:pt idx="5">
+                <c:pt idx="6">
                   <c:v>30</c:v>
                 </c:pt>
-                <c:pt idx="6">
+                <c:pt idx="7">
                   <c:v>35</c:v>
                 </c:pt>
-                <c:pt idx="7">
+                <c:pt idx="8">
                   <c:v>40</c:v>
                 </c:pt>
-                <c:pt idx="8">
+                <c:pt idx="9">
                   <c:v>45</c:v>
                 </c:pt>
-                <c:pt idx="9">
+                <c:pt idx="10">
                   <c:v>50</c:v>
                 </c:pt>
               </c:numCache>
@@ -657,10 +659,10 @@
           </c:cat>
           <c:val>
             <c:numRef>
-              <c:f>Sayfa1!$B$2:$B$11</c:f>
+              <c:f>Sayfa1!$B$2:$B$12</c:f>
               <c:numCache>
                 <c:formatCode>General</c:formatCode>
-                <c:ptCount val="10"/>
+                <c:ptCount val="11"/>
                 <c:pt idx="0">
                   <c:v>98</c:v>
                 </c:pt>
@@ -668,27 +670,30 @@
                   <c:v>98</c:v>
                 </c:pt>
                 <c:pt idx="2">
-                  <c:v>99</c:v>
+                  <c:v>98</c:v>
                 </c:pt>
                 <c:pt idx="3">
-                  <c:v>97</c:v>
+                  <c:v>99</c:v>
                 </c:pt>
                 <c:pt idx="4">
                   <c:v>97</c:v>
                 </c:pt>
                 <c:pt idx="5">
+                  <c:v>97</c:v>
+                </c:pt>
+                <c:pt idx="6">
                   <c:v>96</c:v>
                 </c:pt>
-                <c:pt idx="6">
+                <c:pt idx="7">
                   <c:v>88</c:v>
                 </c:pt>
-                <c:pt idx="7">
+                <c:pt idx="8">
                   <c:v>78</c:v>
                 </c:pt>
-                <c:pt idx="8">
+                <c:pt idx="9">
                   <c:v>46</c:v>
                 </c:pt>
-                <c:pt idx="9">
+                <c:pt idx="10">
                   <c:v>21</c:v>
                 </c:pt>
               </c:numCache>
@@ -727,7 +732,7 @@
               <a:lstStyle/>
               <a:p>
                 <a:pPr>
-                  <a:defRPr sz="2400" b="0" i="0" u="none" strike="noStrike" kern="1200" baseline="0">
+                  <a:defRPr sz="2000" b="0" i="0" u="none" strike="noStrike" kern="1200" baseline="0">
                     <a:solidFill>
                       <a:schemeClr val="tx1">
                         <a:lumMod val="65000"/>
@@ -740,14 +745,14 @@
                   </a:defRPr>
                 </a:pPr>
                 <a:r>
-                  <a:rPr lang="tr-TR" sz="2400" dirty="0" err="1"/>
+                  <a:rPr lang="tr-TR" sz="2000" dirty="0" err="1"/>
                   <a:t>Distance</a:t>
                 </a:r>
                 <a:r>
-                  <a:rPr lang="tr-TR" sz="2400" dirty="0"/>
+                  <a:rPr lang="tr-TR" sz="2000" dirty="0"/>
                   <a:t> (m)</a:t>
                 </a:r>
-                <a:endParaRPr lang="en-US" sz="2400" dirty="0"/>
+                <a:endParaRPr lang="en-US" sz="2000" dirty="0"/>
               </a:p>
             </c:rich>
           </c:tx>
@@ -772,7 +777,7 @@
             <a:lstStyle/>
             <a:p>
               <a:pPr>
-                <a:defRPr sz="2400" b="0" i="0" u="none" strike="noStrike" kern="1200" baseline="0">
+                <a:defRPr sz="2000" b="0" i="0" u="none" strike="noStrike" kern="1200" baseline="0">
                   <a:solidFill>
                     <a:schemeClr val="tx1">
                       <a:lumMod val="65000"/>
@@ -810,7 +815,7 @@
           <a:lstStyle/>
           <a:p>
             <a:pPr>
-              <a:defRPr sz="2400" b="0" i="0" u="none" strike="noStrike" kern="1200" baseline="0">
+              <a:defRPr sz="2000" b="0" i="0" u="none" strike="noStrike" kern="1200" baseline="0">
                 <a:solidFill>
                   <a:schemeClr val="tx1">
                     <a:lumMod val="65000"/>
@@ -847,7 +852,7 @@
               <a:lstStyle/>
               <a:p>
                 <a:pPr>
-                  <a:defRPr sz="2400" b="0" i="0" u="none" strike="noStrike" kern="1200" baseline="0">
+                  <a:defRPr sz="2000" b="1" i="0" u="none" strike="noStrike" kern="1200" baseline="0">
                     <a:solidFill>
                       <a:schemeClr val="tx1">
                         <a:lumMod val="65000"/>
@@ -860,36 +865,36 @@
                   </a:defRPr>
                 </a:pPr>
                 <a:r>
-                  <a:rPr lang="tr-TR" sz="2400" b="0" i="0" u="none" strike="noStrike" baseline="0" dirty="0">
+                  <a:rPr lang="tr-TR" sz="2000" b="1" i="0" u="none" strike="noStrike" baseline="0" dirty="0">
                     <a:effectLst/>
                   </a:rPr>
                   <a:t> </a:t>
                 </a:r>
                 <a:r>
-                  <a:rPr lang="tr-TR" sz="2400" b="0" i="0" u="none" strike="noStrike" baseline="0" dirty="0" err="1">
+                  <a:rPr lang="tr-TR" sz="2000" b="1" i="0" u="none" strike="noStrike" baseline="0" dirty="0" err="1">
                     <a:effectLst/>
                   </a:rPr>
                   <a:t>Received</a:t>
                 </a:r>
                 <a:r>
-                  <a:rPr lang="tr-TR" sz="2400" b="0" i="0" u="none" strike="noStrike" baseline="0" dirty="0">
+                  <a:rPr lang="tr-TR" sz="2000" b="1" i="0" u="none" strike="noStrike" baseline="0" dirty="0">
                     <a:effectLst/>
                   </a:rPr>
                   <a:t>  </a:t>
                 </a:r>
                 <a:r>
-                  <a:rPr lang="tr-TR" sz="2400" dirty="0"/>
+                  <a:rPr lang="tr-TR" sz="2000" b="1" dirty="0"/>
                   <a:t>Video </a:t>
                 </a:r>
                 <a:r>
-                  <a:rPr lang="tr-TR" sz="2400" dirty="0" err="1"/>
+                  <a:rPr lang="tr-TR" sz="2000" b="1" dirty="0" err="1"/>
                   <a:t>Percentage</a:t>
                 </a:r>
                 <a:r>
-                  <a:rPr lang="tr-TR" sz="2400" dirty="0"/>
+                  <a:rPr lang="tr-TR" sz="2000" b="1" dirty="0"/>
                   <a:t> (%)</a:t>
                 </a:r>
-                <a:endParaRPr lang="en-US" sz="2400" dirty="0"/>
+                <a:endParaRPr lang="en-US" sz="2000" b="1" dirty="0"/>
               </a:p>
             </c:rich>
           </c:tx>
@@ -906,7 +911,7 @@
             <a:lstStyle/>
             <a:p>
               <a:pPr>
-                <a:defRPr sz="2400" b="0" i="0" u="none" strike="noStrike" kern="1200" baseline="0">
+                <a:defRPr sz="2000" b="1" i="0" u="none" strike="noStrike" kern="1200" baseline="0">
                   <a:solidFill>
                     <a:schemeClr val="tx1">
                       <a:lumMod val="65000"/>
@@ -938,7 +943,7 @@
           <a:lstStyle/>
           <a:p>
             <a:pPr>
-              <a:defRPr sz="2400" b="0" i="0" u="none" strike="noStrike" kern="1200" baseline="0">
+              <a:defRPr sz="2000" b="0" i="0" u="none" strike="noStrike" kern="1200" baseline="0">
                 <a:solidFill>
                   <a:schemeClr val="tx1">
                     <a:lumMod val="65000"/>
@@ -2116,133 +2121,12 @@
 <c:userShapes xmlns:c="http://schemas.openxmlformats.org/drawingml/2006/chart">
   <cdr:relSizeAnchor xmlns:cdr="http://schemas.openxmlformats.org/drawingml/2006/chartDrawing">
     <cdr:from>
-      <cdr:x>0.2727</cdr:x>
-      <cdr:y>0.46605</cdr:y>
-    </cdr:from>
-    <cdr:to>
-      <cdr:x>0.7273</cdr:x>
-      <cdr:y>0.6142</cdr:y>
-    </cdr:to>
-    <cdr:sp macro="" textlink="">
-      <cdr:nvSpPr>
-        <cdr:cNvPr id="2" name="Metin kutusu 1">
-          <a:extLst xmlns:a="http://schemas.openxmlformats.org/drawingml/2006/main">
-            <a:ext uri="{FF2B5EF4-FFF2-40B4-BE49-F238E27FC236}">
-              <a16:creationId xmlns:a16="http://schemas.microsoft.com/office/drawing/2014/main" id="{4FDC3283-D81A-4095-9402-CCC25245F718}"/>
-            </a:ext>
-          </a:extLst>
-        </cdr:cNvPr>
-        <cdr:cNvSpPr txBox="1"/>
-      </cdr:nvSpPr>
-      <cdr:spPr>
-        <a:xfrm xmlns:a="http://schemas.openxmlformats.org/drawingml/2006/main">
-          <a:off x="2267218" y="3451868"/>
-          <a:ext cx="3779520" cy="1097264"/>
-        </a:xfrm>
-        <a:prstGeom xmlns:a="http://schemas.openxmlformats.org/drawingml/2006/main" prst="rect">
-          <a:avLst/>
-        </a:prstGeom>
-        <a:solidFill xmlns:a="http://schemas.openxmlformats.org/drawingml/2006/main">
-          <a:schemeClr val="bg1"/>
-        </a:solidFill>
-        <a:effectLst xmlns:a="http://schemas.openxmlformats.org/drawingml/2006/main">
-          <a:softEdge rad="127000"/>
-        </a:effectLst>
-      </cdr:spPr>
-      <cdr:txBody>
-        <a:bodyPr xmlns:a="http://schemas.openxmlformats.org/drawingml/2006/main" wrap="square" rtlCol="0"/>
-        <a:lstStyle xmlns:a="http://schemas.openxmlformats.org/drawingml/2006/main">
-          <a:lvl1pPr marL="0" indent="0">
-            <a:defRPr sz="1100">
-              <a:latin typeface="+mn-lt"/>
-              <a:ea typeface="+mn-ea"/>
-              <a:cs typeface="+mn-cs"/>
-            </a:defRPr>
-          </a:lvl1pPr>
-          <a:lvl2pPr marL="457200" indent="0">
-            <a:defRPr sz="1100">
-              <a:latin typeface="+mn-lt"/>
-              <a:ea typeface="+mn-ea"/>
-              <a:cs typeface="+mn-cs"/>
-            </a:defRPr>
-          </a:lvl2pPr>
-          <a:lvl3pPr marL="914400" indent="0">
-            <a:defRPr sz="1100">
-              <a:latin typeface="+mn-lt"/>
-              <a:ea typeface="+mn-ea"/>
-              <a:cs typeface="+mn-cs"/>
-            </a:defRPr>
-          </a:lvl3pPr>
-          <a:lvl4pPr marL="1371600" indent="0">
-            <a:defRPr sz="1100">
-              <a:latin typeface="+mn-lt"/>
-              <a:ea typeface="+mn-ea"/>
-              <a:cs typeface="+mn-cs"/>
-            </a:defRPr>
-          </a:lvl4pPr>
-          <a:lvl5pPr marL="1828800" indent="0">
-            <a:defRPr sz="1100">
-              <a:latin typeface="+mn-lt"/>
-              <a:ea typeface="+mn-ea"/>
-              <a:cs typeface="+mn-cs"/>
-            </a:defRPr>
-          </a:lvl5pPr>
-          <a:lvl6pPr marL="2286000" indent="0">
-            <a:defRPr sz="1100">
-              <a:latin typeface="+mn-lt"/>
-              <a:ea typeface="+mn-ea"/>
-              <a:cs typeface="+mn-cs"/>
-            </a:defRPr>
-          </a:lvl6pPr>
-          <a:lvl7pPr marL="2743200" indent="0">
-            <a:defRPr sz="1100">
-              <a:latin typeface="+mn-lt"/>
-              <a:ea typeface="+mn-ea"/>
-              <a:cs typeface="+mn-cs"/>
-            </a:defRPr>
-          </a:lvl7pPr>
-          <a:lvl8pPr marL="3200400" indent="0">
-            <a:defRPr sz="1100">
-              <a:latin typeface="+mn-lt"/>
-              <a:ea typeface="+mn-ea"/>
-              <a:cs typeface="+mn-cs"/>
-            </a:defRPr>
-          </a:lvl8pPr>
-          <a:lvl9pPr marL="3657600" indent="0">
-            <a:defRPr sz="1100">
-              <a:latin typeface="+mn-lt"/>
-              <a:ea typeface="+mn-ea"/>
-              <a:cs typeface="+mn-cs"/>
-            </a:defRPr>
-          </a:lvl9pPr>
-        </a:lstStyle>
-        <a:p xmlns:a="http://schemas.openxmlformats.org/drawingml/2006/main">
-          <a:pPr algn="ctr"/>
-          <a:br>
-            <a:rPr lang="tr-TR" sz="1200" b="1" dirty="0"/>
-          </a:br>
-          <a:r>
-            <a:rPr lang="tr-TR" sz="4000" b="1" dirty="0"/>
-            <a:t>PLAYABLE ZONE</a:t>
-          </a:r>
-          <a:endParaRPr lang="en-US" sz="4000" b="1" dirty="0"/>
-        </a:p>
-      </cdr:txBody>
-    </cdr:sp>
-  </cdr:relSizeAnchor>
-</c:userShapes>
-</file>
-
-<file path=ppt/drawings/drawing2.xml><?xml version="1.0" encoding="utf-8"?>
-<c:userShapes xmlns:c="http://schemas.openxmlformats.org/drawingml/2006/chart">
-  <cdr:relSizeAnchor xmlns:cdr="http://schemas.openxmlformats.org/drawingml/2006/chartDrawing">
-    <cdr:from>
       <cdr:x>0.2402</cdr:x>
       <cdr:y>0.45885</cdr:y>
     </cdr:from>
     <cdr:to>
       <cdr:x>0.6948</cdr:x>
-      <cdr:y>0.607</cdr:y>
+      <cdr:y>0.63333</cdr:y>
     </cdr:to>
     <cdr:sp macro="" textlink="">
       <cdr:nvSpPr>
@@ -2257,8 +2141,8 @@
       </cdr:nvSpPr>
       <cdr:spPr>
         <a:xfrm xmlns:a="http://schemas.openxmlformats.org/drawingml/2006/main">
-          <a:off x="1996976" y="3398531"/>
-          <a:ext cx="3779520" cy="1097264"/>
+          <a:off x="1641929" y="2097861"/>
+          <a:ext cx="3107499" cy="797733"/>
         </a:xfrm>
         <a:prstGeom xmlns:a="http://schemas.openxmlformats.org/drawingml/2006/main" prst="rect">
           <a:avLst/>
@@ -2276,13 +2160,13 @@
         <a:p xmlns:a="http://schemas.openxmlformats.org/drawingml/2006/main">
           <a:pPr algn="ctr"/>
           <a:br>
-            <a:rPr lang="tr-TR" sz="1200" b="1" dirty="0"/>
+            <a:rPr lang="tr-TR" sz="1000" b="1" dirty="0"/>
           </a:br>
           <a:r>
-            <a:rPr lang="tr-TR" sz="4000" b="1" dirty="0"/>
+            <a:rPr lang="tr-TR" sz="2800" b="1" dirty="0"/>
             <a:t>PLAYABLE ZONE</a:t>
           </a:r>
-          <a:endParaRPr lang="en-US" sz="4000" b="1" dirty="0"/>
+          <a:endParaRPr lang="en-US" sz="2800" b="1" dirty="0"/>
         </a:p>
       </cdr:txBody>
     </cdr:sp>
@@ -12105,56 +11989,6 @@
       </p:grpSpPr>
       <p:sp>
         <p:nvSpPr>
-          <p:cNvPr id="2" name="Unvan 1">
-            <a:extLst>
-              <a:ext uri="{FF2B5EF4-FFF2-40B4-BE49-F238E27FC236}">
-                <a16:creationId xmlns:a16="http://schemas.microsoft.com/office/drawing/2014/main" id="{8D12BD47-0204-4646-997A-49ED49CA6EF4}"/>
-              </a:ext>
-            </a:extLst>
-          </p:cNvPr>
-          <p:cNvSpPr>
-            <a:spLocks noGrp="1"/>
-          </p:cNvSpPr>
-          <p:nvPr>
-            <p:ph type="title"/>
-          </p:nvPr>
-        </p:nvSpPr>
-        <p:spPr/>
-        <p:txBody>
-          <a:bodyPr/>
-          <a:lstStyle/>
-          <a:p>
-            <a:endParaRPr lang="en-US"/>
-          </a:p>
-        </p:txBody>
-      </p:sp>
-      <p:sp>
-        <p:nvSpPr>
-          <p:cNvPr id="3" name="İçerik Yer Tutucusu 2">
-            <a:extLst>
-              <a:ext uri="{FF2B5EF4-FFF2-40B4-BE49-F238E27FC236}">
-                <a16:creationId xmlns:a16="http://schemas.microsoft.com/office/drawing/2014/main" id="{39D80F7B-907F-4723-B42C-E48001E7B1D7}"/>
-              </a:ext>
-            </a:extLst>
-          </p:cNvPr>
-          <p:cNvSpPr>
-            <a:spLocks noGrp="1"/>
-          </p:cNvSpPr>
-          <p:nvPr>
-            <p:ph idx="1"/>
-          </p:nvPr>
-        </p:nvSpPr>
-        <p:spPr/>
-        <p:txBody>
-          <a:bodyPr/>
-          <a:lstStyle/>
-          <a:p>
-            <a:endParaRPr lang="en-US"/>
-          </a:p>
-        </p:txBody>
-      </p:sp>
-      <p:sp>
-        <p:nvSpPr>
           <p:cNvPr id="4" name="Dikdörtgen 3">
             <a:extLst>
               <a:ext uri="{FF2B5EF4-FFF2-40B4-BE49-F238E27FC236}">
@@ -12167,8 +12001,8 @@
         </p:nvSpPr>
         <p:spPr>
           <a:xfrm>
-            <a:off x="12482636" y="14203679"/>
-            <a:ext cx="5349229" cy="6294121"/>
+            <a:off x="12086309" y="14592876"/>
+            <a:ext cx="4403372" cy="3493911"/>
           </a:xfrm>
           <a:prstGeom prst="rect">
             <a:avLst/>
@@ -12210,6 +12044,31 @@
           </a:p>
         </p:txBody>
       </p:sp>
+      <p:sp>
+        <p:nvSpPr>
+          <p:cNvPr id="2" name="Unvan 1">
+            <a:extLst>
+              <a:ext uri="{FF2B5EF4-FFF2-40B4-BE49-F238E27FC236}">
+                <a16:creationId xmlns:a16="http://schemas.microsoft.com/office/drawing/2014/main" id="{8D12BD47-0204-4646-997A-49ED49CA6EF4}"/>
+              </a:ext>
+            </a:extLst>
+          </p:cNvPr>
+          <p:cNvSpPr>
+            <a:spLocks noGrp="1"/>
+          </p:cNvSpPr>
+          <p:nvPr>
+            <p:ph type="title"/>
+          </p:nvPr>
+        </p:nvSpPr>
+        <p:spPr/>
+        <p:txBody>
+          <a:bodyPr/>
+          <a:lstStyle/>
+          <a:p>
+            <a:endParaRPr lang="en-US"/>
+          </a:p>
+        </p:txBody>
+      </p:sp>
       <p:graphicFrame>
         <p:nvGraphicFramePr>
           <p:cNvPr id="5" name="İçerik Yer Tutucusu 7">
@@ -12225,14 +12084,14 @@
           <p:nvPr>
             <p:extLst>
               <p:ext uri="{D42A27DB-BD31-4B8C-83A1-F6EECF244321}">
-                <p14:modId xmlns:p14="http://schemas.microsoft.com/office/powerpoint/2010/main" val="3050515419"/>
+                <p14:modId xmlns:p14="http://schemas.microsoft.com/office/powerpoint/2010/main" val="76534897"/>
               </p:ext>
             </p:extLst>
           </p:nvPr>
         </p:nvGraphicFramePr>
         <p:xfrm>
-          <a:off x="11000272" y="14081760"/>
-          <a:ext cx="8313956" cy="7406640"/>
+          <a:off x="11008604" y="14402364"/>
+          <a:ext cx="6558780" cy="4572001"/>
         </p:xfrm>
         <a:graphic>
           <a:graphicData uri="http://schemas.openxmlformats.org/drawingml/2006/chart">
@@ -12254,8 +12113,8 @@
         </p:nvSpPr>
         <p:spPr>
           <a:xfrm>
-            <a:off x="2910844" y="14188439"/>
-            <a:ext cx="5074899" cy="6294121"/>
+            <a:off x="2654674" y="14538959"/>
+            <a:ext cx="4172546" cy="3493911"/>
           </a:xfrm>
           <a:prstGeom prst="rect">
             <a:avLst/>
@@ -12312,14 +12171,14 @@
           <p:nvPr>
             <p:extLst>
               <p:ext uri="{D42A27DB-BD31-4B8C-83A1-F6EECF244321}">
-                <p14:modId xmlns:p14="http://schemas.microsoft.com/office/powerpoint/2010/main" val="892088843"/>
+                <p14:modId xmlns:p14="http://schemas.microsoft.com/office/powerpoint/2010/main" val="1050775585"/>
               </p:ext>
             </p:extLst>
           </p:nvPr>
         </p:nvGraphicFramePr>
         <p:xfrm>
-          <a:off x="1470124" y="14081760"/>
-          <a:ext cx="8313956" cy="7406640"/>
+          <a:off x="1487940" y="14432280"/>
+          <a:ext cx="6558780" cy="4572000"/>
         </p:xfrm>
         <a:graphic>
           <a:graphicData uri="http://schemas.openxmlformats.org/drawingml/2006/chart">
@@ -12343,8 +12202,8 @@
         </p:nvCxnSpPr>
         <p:spPr>
           <a:xfrm flipV="1">
-            <a:off x="7985760" y="15681960"/>
-            <a:ext cx="0" cy="4800600"/>
+            <a:off x="6827220" y="15343858"/>
+            <a:ext cx="0" cy="2689014"/>
           </a:xfrm>
           <a:prstGeom prst="line">
             <a:avLst/>
@@ -12390,8 +12249,8 @@
         </p:nvCxnSpPr>
         <p:spPr>
           <a:xfrm flipH="1">
-            <a:off x="2727960" y="15681960"/>
-            <a:ext cx="5257800" cy="0"/>
+            <a:off x="2504308" y="15343858"/>
+            <a:ext cx="4322912" cy="0"/>
           </a:xfrm>
           <a:prstGeom prst="line">
             <a:avLst/>
@@ -12437,8 +12296,8 @@
         </p:nvCxnSpPr>
         <p:spPr>
           <a:xfrm flipV="1">
-            <a:off x="17831872" y="15712440"/>
-            <a:ext cx="0" cy="4815840"/>
+            <a:off x="16489680" y="15343858"/>
+            <a:ext cx="1" cy="2742930"/>
           </a:xfrm>
           <a:prstGeom prst="line">
             <a:avLst/>
@@ -12484,8 +12343,8 @@
         </p:nvCxnSpPr>
         <p:spPr>
           <a:xfrm flipH="1">
-            <a:off x="12482636" y="15697200"/>
-            <a:ext cx="5349236" cy="0"/>
+            <a:off x="12086309" y="15346680"/>
+            <a:ext cx="4403373" cy="0"/>
           </a:xfrm>
           <a:prstGeom prst="line">
             <a:avLst/>
@@ -12515,6 +12374,113 @@
           </a:fontRef>
         </p:style>
       </p:cxnSp>
+      <p:sp>
+        <p:nvSpPr>
+          <p:cNvPr id="19" name="Metin kutusu 1">
+            <a:extLst>
+              <a:ext uri="{FF2B5EF4-FFF2-40B4-BE49-F238E27FC236}">
+                <a16:creationId xmlns:a16="http://schemas.microsoft.com/office/drawing/2014/main" id="{C1155044-A1EF-468F-8ABF-2212C5BA5E42}"/>
+              </a:ext>
+            </a:extLst>
+          </p:cNvPr>
+          <p:cNvSpPr txBox="1"/>
+          <p:nvPr/>
+        </p:nvSpPr>
+        <p:spPr>
+          <a:xfrm>
+            <a:off x="12734245" y="16339831"/>
+            <a:ext cx="3107499" cy="797733"/>
+          </a:xfrm>
+          <a:prstGeom prst="rect">
+            <a:avLst/>
+          </a:prstGeom>
+          <a:solidFill>
+            <a:schemeClr val="bg1"/>
+          </a:solidFill>
+          <a:effectLst>
+            <a:softEdge rad="127000"/>
+          </a:effectLst>
+        </p:spPr>
+        <p:txBody>
+          <a:bodyPr wrap="square" rtlCol="0"/>
+          <a:lstStyle>
+            <a:lvl1pPr marL="0" indent="0">
+              <a:defRPr sz="1100">
+                <a:latin typeface="+mn-lt"/>
+                <a:ea typeface="+mn-ea"/>
+                <a:cs typeface="+mn-cs"/>
+              </a:defRPr>
+            </a:lvl1pPr>
+            <a:lvl2pPr marL="457200" indent="0">
+              <a:defRPr sz="1100">
+                <a:latin typeface="+mn-lt"/>
+                <a:ea typeface="+mn-ea"/>
+                <a:cs typeface="+mn-cs"/>
+              </a:defRPr>
+            </a:lvl2pPr>
+            <a:lvl3pPr marL="914400" indent="0">
+              <a:defRPr sz="1100">
+                <a:latin typeface="+mn-lt"/>
+                <a:ea typeface="+mn-ea"/>
+                <a:cs typeface="+mn-cs"/>
+              </a:defRPr>
+            </a:lvl3pPr>
+            <a:lvl4pPr marL="1371600" indent="0">
+              <a:defRPr sz="1100">
+                <a:latin typeface="+mn-lt"/>
+                <a:ea typeface="+mn-ea"/>
+                <a:cs typeface="+mn-cs"/>
+              </a:defRPr>
+            </a:lvl4pPr>
+            <a:lvl5pPr marL="1828800" indent="0">
+              <a:defRPr sz="1100">
+                <a:latin typeface="+mn-lt"/>
+                <a:ea typeface="+mn-ea"/>
+                <a:cs typeface="+mn-cs"/>
+              </a:defRPr>
+            </a:lvl5pPr>
+            <a:lvl6pPr marL="2286000" indent="0">
+              <a:defRPr sz="1100">
+                <a:latin typeface="+mn-lt"/>
+                <a:ea typeface="+mn-ea"/>
+                <a:cs typeface="+mn-cs"/>
+              </a:defRPr>
+            </a:lvl6pPr>
+            <a:lvl7pPr marL="2743200" indent="0">
+              <a:defRPr sz="1100">
+                <a:latin typeface="+mn-lt"/>
+                <a:ea typeface="+mn-ea"/>
+                <a:cs typeface="+mn-cs"/>
+              </a:defRPr>
+            </a:lvl7pPr>
+            <a:lvl8pPr marL="3200400" indent="0">
+              <a:defRPr sz="1100">
+                <a:latin typeface="+mn-lt"/>
+                <a:ea typeface="+mn-ea"/>
+                <a:cs typeface="+mn-cs"/>
+              </a:defRPr>
+            </a:lvl8pPr>
+            <a:lvl9pPr marL="3657600" indent="0">
+              <a:defRPr sz="1100">
+                <a:latin typeface="+mn-lt"/>
+                <a:ea typeface="+mn-ea"/>
+                <a:cs typeface="+mn-cs"/>
+              </a:defRPr>
+            </a:lvl9pPr>
+          </a:lstStyle>
+          <a:p>
+            <a:pPr algn="ctr"/>
+            <a:br>
+              <a:rPr lang="tr-TR" sz="1000" b="1" dirty="0"/>
+            </a:br>
+            <a:r>
+              <a:rPr lang="tr-TR" sz="2800" b="1" dirty="0"/>
+              <a:t>PLAYABLE ZONE</a:t>
+            </a:r>
+            <a:endParaRPr lang="en-US" sz="2800" b="1" dirty="0"/>
+          </a:p>
+        </p:txBody>
+      </p:sp>
     </p:spTree>
     <p:extLst>
       <p:ext uri="{BB962C8B-B14F-4D97-AF65-F5344CB8AC3E}">
